--- a/reports/term-1-report/flow-chart-sw.pptx
+++ b/reports/term-1-report/flow-chart-sw.pptx
@@ -1,20 +1,115 @@
 
 <file path=ppt/presentation.xml><?xml version="1.0" encoding="utf-8"?>
-<p:presentation xmlns:a="http://schemas.openxmlformats.org/drawingml/2006/main" xmlns:p="http://schemas.openxmlformats.org/presentationml/2006/main" xmlns:r="http://schemas.openxmlformats.org/officeDocument/2006/relationships" xmlns:p14="http://schemas.microsoft.com/office/powerpoint/2010/main" xmlns:p15="http://schemas.microsoft.com/office/powerpoint/2012/main" xmlns:mc="http://schemas.openxmlformats.org/markup-compatibility/2006">
+<p:presentation xmlns:a="http://schemas.openxmlformats.org/drawingml/2006/main" xmlns:r="http://schemas.openxmlformats.org/officeDocument/2006/relationships" xmlns:p="http://schemas.openxmlformats.org/presentationml/2006/main">
   <p:sldMasterIdLst>
-    <p:sldMasterId id="2147483648" r:id="rId2"/>
+    <p:sldMasterId id="2147483648" r:id="rId1"/>
   </p:sldMasterIdLst>
   <p:sldIdLst>
-    <p:sldId id="256" r:id="rId3"/>
-    <p:sldId id="257" r:id="rId4"/>
+    <p:sldId id="256" r:id="rId2"/>
+    <p:sldId id="257" r:id="rId3"/>
   </p:sldIdLst>
   <p:sldSz cx="6858000" cy="12192000"/>
-  <p:notesSz cx="7559675" cy="10691812"/>
+  <p:notesSz cx="7559675" cy="10691813"/>
+  <p:defaultTextStyle>
+    <a:defPPr>
+      <a:defRPr lang="en-US"/>
+    </a:defPPr>
+    <a:lvl1pPr marL="0" algn="l" defTabSz="914400" rtl="0" eaLnBrk="1" latinLnBrk="0" hangingPunct="1">
+      <a:defRPr sz="1800" kern="1200">
+        <a:solidFill>
+          <a:schemeClr val="tx1"/>
+        </a:solidFill>
+        <a:latin typeface="+mn-lt"/>
+        <a:ea typeface="+mn-ea"/>
+        <a:cs typeface="+mn-cs"/>
+      </a:defRPr>
+    </a:lvl1pPr>
+    <a:lvl2pPr marL="457200" algn="l" defTabSz="914400" rtl="0" eaLnBrk="1" latinLnBrk="0" hangingPunct="1">
+      <a:defRPr sz="1800" kern="1200">
+        <a:solidFill>
+          <a:schemeClr val="tx1"/>
+        </a:solidFill>
+        <a:latin typeface="+mn-lt"/>
+        <a:ea typeface="+mn-ea"/>
+        <a:cs typeface="+mn-cs"/>
+      </a:defRPr>
+    </a:lvl2pPr>
+    <a:lvl3pPr marL="914400" algn="l" defTabSz="914400" rtl="0" eaLnBrk="1" latinLnBrk="0" hangingPunct="1">
+      <a:defRPr sz="1800" kern="1200">
+        <a:solidFill>
+          <a:schemeClr val="tx1"/>
+        </a:solidFill>
+        <a:latin typeface="+mn-lt"/>
+        <a:ea typeface="+mn-ea"/>
+        <a:cs typeface="+mn-cs"/>
+      </a:defRPr>
+    </a:lvl3pPr>
+    <a:lvl4pPr marL="1371600" algn="l" defTabSz="914400" rtl="0" eaLnBrk="1" latinLnBrk="0" hangingPunct="1">
+      <a:defRPr sz="1800" kern="1200">
+        <a:solidFill>
+          <a:schemeClr val="tx1"/>
+        </a:solidFill>
+        <a:latin typeface="+mn-lt"/>
+        <a:ea typeface="+mn-ea"/>
+        <a:cs typeface="+mn-cs"/>
+      </a:defRPr>
+    </a:lvl4pPr>
+    <a:lvl5pPr marL="1828800" algn="l" defTabSz="914400" rtl="0" eaLnBrk="1" latinLnBrk="0" hangingPunct="1">
+      <a:defRPr sz="1800" kern="1200">
+        <a:solidFill>
+          <a:schemeClr val="tx1"/>
+        </a:solidFill>
+        <a:latin typeface="+mn-lt"/>
+        <a:ea typeface="+mn-ea"/>
+        <a:cs typeface="+mn-cs"/>
+      </a:defRPr>
+    </a:lvl5pPr>
+    <a:lvl6pPr marL="2286000" algn="l" defTabSz="914400" rtl="0" eaLnBrk="1" latinLnBrk="0" hangingPunct="1">
+      <a:defRPr sz="1800" kern="1200">
+        <a:solidFill>
+          <a:schemeClr val="tx1"/>
+        </a:solidFill>
+        <a:latin typeface="+mn-lt"/>
+        <a:ea typeface="+mn-ea"/>
+        <a:cs typeface="+mn-cs"/>
+      </a:defRPr>
+    </a:lvl6pPr>
+    <a:lvl7pPr marL="2743200" algn="l" defTabSz="914400" rtl="0" eaLnBrk="1" latinLnBrk="0" hangingPunct="1">
+      <a:defRPr sz="1800" kern="1200">
+        <a:solidFill>
+          <a:schemeClr val="tx1"/>
+        </a:solidFill>
+        <a:latin typeface="+mn-lt"/>
+        <a:ea typeface="+mn-ea"/>
+        <a:cs typeface="+mn-cs"/>
+      </a:defRPr>
+    </a:lvl7pPr>
+    <a:lvl8pPr marL="3200400" algn="l" defTabSz="914400" rtl="0" eaLnBrk="1" latinLnBrk="0" hangingPunct="1">
+      <a:defRPr sz="1800" kern="1200">
+        <a:solidFill>
+          <a:schemeClr val="tx1"/>
+        </a:solidFill>
+        <a:latin typeface="+mn-lt"/>
+        <a:ea typeface="+mn-ea"/>
+        <a:cs typeface="+mn-cs"/>
+      </a:defRPr>
+    </a:lvl8pPr>
+    <a:lvl9pPr marL="3657600" algn="l" defTabSz="914400" rtl="0" eaLnBrk="1" latinLnBrk="0" hangingPunct="1">
+      <a:defRPr sz="1800" kern="1200">
+        <a:solidFill>
+          <a:schemeClr val="tx1"/>
+        </a:solidFill>
+        <a:latin typeface="+mn-lt"/>
+        <a:ea typeface="+mn-ea"/>
+        <a:cs typeface="+mn-cs"/>
+      </a:defRPr>
+    </a:lvl9pPr>
+  </p:defaultTextStyle>
 </p:presentation>
 </file>
 
 <file path=ppt/slideLayouts/slideLayout1.xml><?xml version="1.0" encoding="utf-8"?>
-<p:sldLayout xmlns:a="http://schemas.openxmlformats.org/drawingml/2006/main" xmlns:p="http://schemas.openxmlformats.org/presentationml/2006/main" xmlns:r="http://schemas.openxmlformats.org/officeDocument/2006/relationships" xmlns:p14="http://schemas.microsoft.com/office/powerpoint/2010/main" xmlns:p15="http://schemas.microsoft.com/office/powerpoint/2012/main" xmlns:mc="http://schemas.openxmlformats.org/markup-compatibility/2006" type="blank" preserve="1">
+<p:sldLayout xmlns:a="http://schemas.openxmlformats.org/drawingml/2006/main" xmlns:r="http://schemas.openxmlformats.org/officeDocument/2006/relationships" xmlns:p="http://schemas.openxmlformats.org/presentationml/2006/main" type="blank" preserve="1">
   <p:cSld name="Blank Slide">
     <p:spTree>
       <p:nvGrpSpPr>
@@ -32,11 +127,14 @@
       </p:grpSpPr>
     </p:spTree>
   </p:cSld>
+  <p:clrMapOvr>
+    <a:masterClrMapping/>
+  </p:clrMapOvr>
 </p:sldLayout>
 </file>
 
 <file path=ppt/slideLayouts/slideLayout10.xml><?xml version="1.0" encoding="utf-8"?>
-<p:sldLayout xmlns:a="http://schemas.openxmlformats.org/drawingml/2006/main" xmlns:p="http://schemas.openxmlformats.org/presentationml/2006/main" xmlns:r="http://schemas.openxmlformats.org/officeDocument/2006/relationships" xmlns:p14="http://schemas.microsoft.com/office/powerpoint/2010/main" xmlns:p15="http://schemas.microsoft.com/office/powerpoint/2012/main" xmlns:mc="http://schemas.openxmlformats.org/markup-compatibility/2006" type="objOverTx" preserve="1">
+<p:sldLayout xmlns:a="http://schemas.openxmlformats.org/drawingml/2006/main" xmlns:r="http://schemas.openxmlformats.org/officeDocument/2006/relationships" xmlns:p="http://schemas.openxmlformats.org/presentationml/2006/main" type="objOverTx" preserve="1">
   <p:cSld name="Title, Content over Content">
     <p:spTree>
       <p:nvGrpSpPr>
@@ -72,11 +170,12 @@
           </a:prstGeom>
         </p:spPr>
         <p:txBody>
-          <a:bodyPr lIns="0" rIns="0" tIns="0" bIns="0" anchor="ctr">
+          <a:bodyPr lIns="0" tIns="0" rIns="0" bIns="0" anchor="ctr">
             <a:noAutofit/>
           </a:bodyPr>
-          <a:p>
-            <a:endParaRPr b="0" lang="en-US" sz="1800" spc="-1" strike="noStrike">
+          <a:lstStyle/>
+          <a:p>
+            <a:endParaRPr lang="en-US" sz="1800" b="0" strike="noStrike" spc="-1">
               <a:solidFill>
                 <a:srgbClr val="000000"/>
               </a:solidFill>
@@ -105,11 +204,12 @@
           </a:prstGeom>
         </p:spPr>
         <p:txBody>
-          <a:bodyPr lIns="0" rIns="0" tIns="0" bIns="0">
+          <a:bodyPr lIns="0" tIns="0" rIns="0" bIns="0">
             <a:normAutofit/>
           </a:bodyPr>
-          <a:p>
-            <a:endParaRPr b="0" lang="en-US" sz="2100" spc="-1" strike="noStrike">
+          <a:lstStyle/>
+          <a:p>
+            <a:endParaRPr lang="en-US" sz="2100" b="0" strike="noStrike" spc="-1">
               <a:solidFill>
                 <a:srgbClr val="000000"/>
               </a:solidFill>
@@ -138,11 +238,12 @@
           </a:prstGeom>
         </p:spPr>
         <p:txBody>
-          <a:bodyPr lIns="0" rIns="0" tIns="0" bIns="0">
+          <a:bodyPr lIns="0" tIns="0" rIns="0" bIns="0">
             <a:normAutofit/>
           </a:bodyPr>
-          <a:p>
-            <a:endParaRPr b="0" lang="en-US" sz="2100" spc="-1" strike="noStrike">
+          <a:lstStyle/>
+          <a:p>
+            <a:endParaRPr lang="en-US" sz="2100" b="0" strike="noStrike" spc="-1">
               <a:solidFill>
                 <a:srgbClr val="000000"/>
               </a:solidFill>
@@ -153,11 +254,14 @@
       </p:sp>
     </p:spTree>
   </p:cSld>
+  <p:clrMapOvr>
+    <a:masterClrMapping/>
+  </p:clrMapOvr>
 </p:sldLayout>
 </file>
 
 <file path=ppt/slideLayouts/slideLayout11.xml><?xml version="1.0" encoding="utf-8"?>
-<p:sldLayout xmlns:a="http://schemas.openxmlformats.org/drawingml/2006/main" xmlns:p="http://schemas.openxmlformats.org/presentationml/2006/main" xmlns:r="http://schemas.openxmlformats.org/officeDocument/2006/relationships" xmlns:p14="http://schemas.microsoft.com/office/powerpoint/2010/main" xmlns:p15="http://schemas.microsoft.com/office/powerpoint/2012/main" xmlns:mc="http://schemas.openxmlformats.org/markup-compatibility/2006" type="fourObj" preserve="1">
+<p:sldLayout xmlns:a="http://schemas.openxmlformats.org/drawingml/2006/main" xmlns:r="http://schemas.openxmlformats.org/officeDocument/2006/relationships" xmlns:p="http://schemas.openxmlformats.org/presentationml/2006/main" type="fourObj" preserve="1">
   <p:cSld name="Title, 4 Content">
     <p:spTree>
       <p:nvGrpSpPr>
@@ -193,11 +297,12 @@
           </a:prstGeom>
         </p:spPr>
         <p:txBody>
-          <a:bodyPr lIns="0" rIns="0" tIns="0" bIns="0" anchor="ctr">
+          <a:bodyPr lIns="0" tIns="0" rIns="0" bIns="0" anchor="ctr">
             <a:noAutofit/>
           </a:bodyPr>
-          <a:p>
-            <a:endParaRPr b="0" lang="en-US" sz="1800" spc="-1" strike="noStrike">
+          <a:lstStyle/>
+          <a:p>
+            <a:endParaRPr lang="en-US" sz="1800" b="0" strike="noStrike" spc="-1">
               <a:solidFill>
                 <a:srgbClr val="000000"/>
               </a:solidFill>
@@ -226,11 +331,12 @@
           </a:prstGeom>
         </p:spPr>
         <p:txBody>
-          <a:bodyPr lIns="0" rIns="0" tIns="0" bIns="0">
+          <a:bodyPr lIns="0" tIns="0" rIns="0" bIns="0">
             <a:normAutofit/>
           </a:bodyPr>
-          <a:p>
-            <a:endParaRPr b="0" lang="en-US" sz="2100" spc="-1" strike="noStrike">
+          <a:lstStyle/>
+          <a:p>
+            <a:endParaRPr lang="en-US" sz="2100" b="0" strike="noStrike" spc="-1">
               <a:solidFill>
                 <a:srgbClr val="000000"/>
               </a:solidFill>
@@ -259,11 +365,12 @@
           </a:prstGeom>
         </p:spPr>
         <p:txBody>
-          <a:bodyPr lIns="0" rIns="0" tIns="0" bIns="0">
+          <a:bodyPr lIns="0" tIns="0" rIns="0" bIns="0">
             <a:normAutofit/>
           </a:bodyPr>
-          <a:p>
-            <a:endParaRPr b="0" lang="en-US" sz="2100" spc="-1" strike="noStrike">
+          <a:lstStyle/>
+          <a:p>
+            <a:endParaRPr lang="en-US" sz="2100" b="0" strike="noStrike" spc="-1">
               <a:solidFill>
                 <a:srgbClr val="000000"/>
               </a:solidFill>
@@ -292,11 +399,12 @@
           </a:prstGeom>
         </p:spPr>
         <p:txBody>
-          <a:bodyPr lIns="0" rIns="0" tIns="0" bIns="0">
+          <a:bodyPr lIns="0" tIns="0" rIns="0" bIns="0">
             <a:normAutofit/>
           </a:bodyPr>
-          <a:p>
-            <a:endParaRPr b="0" lang="en-US" sz="2100" spc="-1" strike="noStrike">
+          <a:lstStyle/>
+          <a:p>
+            <a:endParaRPr lang="en-US" sz="2100" b="0" strike="noStrike" spc="-1">
               <a:solidFill>
                 <a:srgbClr val="000000"/>
               </a:solidFill>
@@ -325,11 +433,12 @@
           </a:prstGeom>
         </p:spPr>
         <p:txBody>
-          <a:bodyPr lIns="0" rIns="0" tIns="0" bIns="0">
+          <a:bodyPr lIns="0" tIns="0" rIns="0" bIns="0">
             <a:normAutofit/>
           </a:bodyPr>
-          <a:p>
-            <a:endParaRPr b="0" lang="en-US" sz="2100" spc="-1" strike="noStrike">
+          <a:lstStyle/>
+          <a:p>
+            <a:endParaRPr lang="en-US" sz="2100" b="0" strike="noStrike" spc="-1">
               <a:solidFill>
                 <a:srgbClr val="000000"/>
               </a:solidFill>
@@ -340,11 +449,14 @@
       </p:sp>
     </p:spTree>
   </p:cSld>
+  <p:clrMapOvr>
+    <a:masterClrMapping/>
+  </p:clrMapOvr>
 </p:sldLayout>
 </file>
 
 <file path=ppt/slideLayouts/slideLayout12.xml><?xml version="1.0" encoding="utf-8"?>
-<p:sldLayout xmlns:a="http://schemas.openxmlformats.org/drawingml/2006/main" xmlns:p="http://schemas.openxmlformats.org/presentationml/2006/main" xmlns:r="http://schemas.openxmlformats.org/officeDocument/2006/relationships" xmlns:p14="http://schemas.microsoft.com/office/powerpoint/2010/main" xmlns:p15="http://schemas.microsoft.com/office/powerpoint/2012/main" xmlns:mc="http://schemas.openxmlformats.org/markup-compatibility/2006" type="blank" preserve="1">
+<p:sldLayout xmlns:a="http://schemas.openxmlformats.org/drawingml/2006/main" xmlns:r="http://schemas.openxmlformats.org/officeDocument/2006/relationships" xmlns:p="http://schemas.openxmlformats.org/presentationml/2006/main" type="blank" preserve="1">
   <p:cSld name="Title, 6 Content">
     <p:spTree>
       <p:nvGrpSpPr>
@@ -380,11 +492,12 @@
           </a:prstGeom>
         </p:spPr>
         <p:txBody>
-          <a:bodyPr lIns="0" rIns="0" tIns="0" bIns="0" anchor="ctr">
+          <a:bodyPr lIns="0" tIns="0" rIns="0" bIns="0" anchor="ctr">
             <a:noAutofit/>
           </a:bodyPr>
-          <a:p>
-            <a:endParaRPr b="0" lang="en-US" sz="1800" spc="-1" strike="noStrike">
+          <a:lstStyle/>
+          <a:p>
+            <a:endParaRPr lang="en-US" sz="1800" b="0" strike="noStrike" spc="-1">
               <a:solidFill>
                 <a:srgbClr val="000000"/>
               </a:solidFill>
@@ -413,11 +526,12 @@
           </a:prstGeom>
         </p:spPr>
         <p:txBody>
-          <a:bodyPr lIns="0" rIns="0" tIns="0" bIns="0">
+          <a:bodyPr lIns="0" tIns="0" rIns="0" bIns="0">
             <a:normAutofit/>
           </a:bodyPr>
-          <a:p>
-            <a:endParaRPr b="0" lang="en-US" sz="2100" spc="-1" strike="noStrike">
+          <a:lstStyle/>
+          <a:p>
+            <a:endParaRPr lang="en-US" sz="2100" b="0" strike="noStrike" spc="-1">
               <a:solidFill>
                 <a:srgbClr val="000000"/>
               </a:solidFill>
@@ -446,11 +560,12 @@
           </a:prstGeom>
         </p:spPr>
         <p:txBody>
-          <a:bodyPr lIns="0" rIns="0" tIns="0" bIns="0">
+          <a:bodyPr lIns="0" tIns="0" rIns="0" bIns="0">
             <a:normAutofit/>
           </a:bodyPr>
-          <a:p>
-            <a:endParaRPr b="0" lang="en-US" sz="2100" spc="-1" strike="noStrike">
+          <a:lstStyle/>
+          <a:p>
+            <a:endParaRPr lang="en-US" sz="2100" b="0" strike="noStrike" spc="-1">
               <a:solidFill>
                 <a:srgbClr val="000000"/>
               </a:solidFill>
@@ -479,11 +594,12 @@
           </a:prstGeom>
         </p:spPr>
         <p:txBody>
-          <a:bodyPr lIns="0" rIns="0" tIns="0" bIns="0">
+          <a:bodyPr lIns="0" tIns="0" rIns="0" bIns="0">
             <a:normAutofit/>
           </a:bodyPr>
-          <a:p>
-            <a:endParaRPr b="0" lang="en-US" sz="2100" spc="-1" strike="noStrike">
+          <a:lstStyle/>
+          <a:p>
+            <a:endParaRPr lang="en-US" sz="2100" b="0" strike="noStrike" spc="-1">
               <a:solidFill>
                 <a:srgbClr val="000000"/>
               </a:solidFill>
@@ -512,11 +628,12 @@
           </a:prstGeom>
         </p:spPr>
         <p:txBody>
-          <a:bodyPr lIns="0" rIns="0" tIns="0" bIns="0">
+          <a:bodyPr lIns="0" tIns="0" rIns="0" bIns="0">
             <a:normAutofit/>
           </a:bodyPr>
-          <a:p>
-            <a:endParaRPr b="0" lang="en-US" sz="2100" spc="-1" strike="noStrike">
+          <a:lstStyle/>
+          <a:p>
+            <a:endParaRPr lang="en-US" sz="2100" b="0" strike="noStrike" spc="-1">
               <a:solidFill>
                 <a:srgbClr val="000000"/>
               </a:solidFill>
@@ -545,11 +662,12 @@
           </a:prstGeom>
         </p:spPr>
         <p:txBody>
-          <a:bodyPr lIns="0" rIns="0" tIns="0" bIns="0">
+          <a:bodyPr lIns="0" tIns="0" rIns="0" bIns="0">
             <a:normAutofit/>
           </a:bodyPr>
-          <a:p>
-            <a:endParaRPr b="0" lang="en-US" sz="2100" spc="-1" strike="noStrike">
+          <a:lstStyle/>
+          <a:p>
+            <a:endParaRPr lang="en-US" sz="2100" b="0" strike="noStrike" spc="-1">
               <a:solidFill>
                 <a:srgbClr val="000000"/>
               </a:solidFill>
@@ -578,11 +696,12 @@
           </a:prstGeom>
         </p:spPr>
         <p:txBody>
-          <a:bodyPr lIns="0" rIns="0" tIns="0" bIns="0">
+          <a:bodyPr lIns="0" tIns="0" rIns="0" bIns="0">
             <a:normAutofit/>
           </a:bodyPr>
-          <a:p>
-            <a:endParaRPr b="0" lang="en-US" sz="2100" spc="-1" strike="noStrike">
+          <a:lstStyle/>
+          <a:p>
+            <a:endParaRPr lang="en-US" sz="2100" b="0" strike="noStrike" spc="-1">
               <a:solidFill>
                 <a:srgbClr val="000000"/>
               </a:solidFill>
@@ -593,11 +712,14 @@
       </p:sp>
     </p:spTree>
   </p:cSld>
+  <p:clrMapOvr>
+    <a:masterClrMapping/>
+  </p:clrMapOvr>
 </p:sldLayout>
 </file>
 
 <file path=ppt/slideLayouts/slideLayout2.xml><?xml version="1.0" encoding="utf-8"?>
-<p:sldLayout xmlns:a="http://schemas.openxmlformats.org/drawingml/2006/main" xmlns:p="http://schemas.openxmlformats.org/presentationml/2006/main" xmlns:r="http://schemas.openxmlformats.org/officeDocument/2006/relationships" xmlns:p14="http://schemas.microsoft.com/office/powerpoint/2010/main" xmlns:p15="http://schemas.microsoft.com/office/powerpoint/2012/main" xmlns:mc="http://schemas.openxmlformats.org/markup-compatibility/2006" type="tx" preserve="1">
+<p:sldLayout xmlns:a="http://schemas.openxmlformats.org/drawingml/2006/main" xmlns:r="http://schemas.openxmlformats.org/officeDocument/2006/relationships" xmlns:p="http://schemas.openxmlformats.org/presentationml/2006/main" type="tx" preserve="1">
   <p:cSld name="Title Slide">
     <p:spTree>
       <p:nvGrpSpPr>
@@ -633,11 +755,12 @@
           </a:prstGeom>
         </p:spPr>
         <p:txBody>
-          <a:bodyPr lIns="0" rIns="0" tIns="0" bIns="0" anchor="ctr">
+          <a:bodyPr lIns="0" tIns="0" rIns="0" bIns="0" anchor="ctr">
             <a:noAutofit/>
           </a:bodyPr>
-          <a:p>
-            <a:endParaRPr b="0" lang="en-US" sz="1800" spc="-1" strike="noStrike">
+          <a:lstStyle/>
+          <a:p>
+            <a:endParaRPr lang="en-US" sz="1800" b="0" strike="noStrike" spc="-1">
               <a:solidFill>
                 <a:srgbClr val="000000"/>
               </a:solidFill>
@@ -666,12 +789,13 @@
           </a:prstGeom>
         </p:spPr>
         <p:txBody>
-          <a:bodyPr lIns="0" rIns="0" tIns="0" bIns="0" anchor="ctr">
+          <a:bodyPr lIns="0" tIns="0" rIns="0" bIns="0" anchor="ctr">
             <a:noAutofit/>
           </a:bodyPr>
+          <a:lstStyle/>
           <a:p>
             <a:pPr algn="ctr"/>
-            <a:endParaRPr b="0" lang="en-GB" sz="3200" spc="-1" strike="noStrike">
+            <a:endParaRPr lang="en-GB" sz="3200" b="0" strike="noStrike" spc="-1">
               <a:latin typeface="Arial"/>
             </a:endParaRPr>
           </a:p>
@@ -679,11 +803,14 @@
       </p:sp>
     </p:spTree>
   </p:cSld>
+  <p:clrMapOvr>
+    <a:masterClrMapping/>
+  </p:clrMapOvr>
 </p:sldLayout>
 </file>
 
 <file path=ppt/slideLayouts/slideLayout3.xml><?xml version="1.0" encoding="utf-8"?>
-<p:sldLayout xmlns:a="http://schemas.openxmlformats.org/drawingml/2006/main" xmlns:p="http://schemas.openxmlformats.org/presentationml/2006/main" xmlns:r="http://schemas.openxmlformats.org/officeDocument/2006/relationships" xmlns:p14="http://schemas.microsoft.com/office/powerpoint/2010/main" xmlns:p15="http://schemas.microsoft.com/office/powerpoint/2012/main" xmlns:mc="http://schemas.openxmlformats.org/markup-compatibility/2006" type="obj" preserve="1">
+<p:sldLayout xmlns:a="http://schemas.openxmlformats.org/drawingml/2006/main" xmlns:r="http://schemas.openxmlformats.org/officeDocument/2006/relationships" xmlns:p="http://schemas.openxmlformats.org/presentationml/2006/main" type="obj" preserve="1">
   <p:cSld name="Title, Content">
     <p:spTree>
       <p:nvGrpSpPr>
@@ -719,11 +846,12 @@
           </a:prstGeom>
         </p:spPr>
         <p:txBody>
-          <a:bodyPr lIns="0" rIns="0" tIns="0" bIns="0" anchor="ctr">
+          <a:bodyPr lIns="0" tIns="0" rIns="0" bIns="0" anchor="ctr">
             <a:noAutofit/>
           </a:bodyPr>
-          <a:p>
-            <a:endParaRPr b="0" lang="en-US" sz="1800" spc="-1" strike="noStrike">
+          <a:lstStyle/>
+          <a:p>
+            <a:endParaRPr lang="en-US" sz="1800" b="0" strike="noStrike" spc="-1">
               <a:solidFill>
                 <a:srgbClr val="000000"/>
               </a:solidFill>
@@ -752,11 +880,12 @@
           </a:prstGeom>
         </p:spPr>
         <p:txBody>
-          <a:bodyPr lIns="0" rIns="0" tIns="0" bIns="0">
+          <a:bodyPr lIns="0" tIns="0" rIns="0" bIns="0">
             <a:normAutofit/>
           </a:bodyPr>
-          <a:p>
-            <a:endParaRPr b="0" lang="en-US" sz="2100" spc="-1" strike="noStrike">
+          <a:lstStyle/>
+          <a:p>
+            <a:endParaRPr lang="en-US" sz="2100" b="0" strike="noStrike" spc="-1">
               <a:solidFill>
                 <a:srgbClr val="000000"/>
               </a:solidFill>
@@ -767,11 +896,14 @@
       </p:sp>
     </p:spTree>
   </p:cSld>
+  <p:clrMapOvr>
+    <a:masterClrMapping/>
+  </p:clrMapOvr>
 </p:sldLayout>
 </file>
 
 <file path=ppt/slideLayouts/slideLayout4.xml><?xml version="1.0" encoding="utf-8"?>
-<p:sldLayout xmlns:a="http://schemas.openxmlformats.org/drawingml/2006/main" xmlns:p="http://schemas.openxmlformats.org/presentationml/2006/main" xmlns:r="http://schemas.openxmlformats.org/officeDocument/2006/relationships" xmlns:p14="http://schemas.microsoft.com/office/powerpoint/2010/main" xmlns:p15="http://schemas.microsoft.com/office/powerpoint/2012/main" xmlns:mc="http://schemas.openxmlformats.org/markup-compatibility/2006" type="twoObj" preserve="1">
+<p:sldLayout xmlns:a="http://schemas.openxmlformats.org/drawingml/2006/main" xmlns:r="http://schemas.openxmlformats.org/officeDocument/2006/relationships" xmlns:p="http://schemas.openxmlformats.org/presentationml/2006/main" type="twoObj" preserve="1">
   <p:cSld name="Title, 2 Content">
     <p:spTree>
       <p:nvGrpSpPr>
@@ -807,11 +939,12 @@
           </a:prstGeom>
         </p:spPr>
         <p:txBody>
-          <a:bodyPr lIns="0" rIns="0" tIns="0" bIns="0" anchor="ctr">
+          <a:bodyPr lIns="0" tIns="0" rIns="0" bIns="0" anchor="ctr">
             <a:noAutofit/>
           </a:bodyPr>
-          <a:p>
-            <a:endParaRPr b="0" lang="en-US" sz="1800" spc="-1" strike="noStrike">
+          <a:lstStyle/>
+          <a:p>
+            <a:endParaRPr lang="en-US" sz="1800" b="0" strike="noStrike" spc="-1">
               <a:solidFill>
                 <a:srgbClr val="000000"/>
               </a:solidFill>
@@ -840,11 +973,12 @@
           </a:prstGeom>
         </p:spPr>
         <p:txBody>
-          <a:bodyPr lIns="0" rIns="0" tIns="0" bIns="0">
+          <a:bodyPr lIns="0" tIns="0" rIns="0" bIns="0">
             <a:normAutofit/>
           </a:bodyPr>
-          <a:p>
-            <a:endParaRPr b="0" lang="en-US" sz="2100" spc="-1" strike="noStrike">
+          <a:lstStyle/>
+          <a:p>
+            <a:endParaRPr lang="en-US" sz="2100" b="0" strike="noStrike" spc="-1">
               <a:solidFill>
                 <a:srgbClr val="000000"/>
               </a:solidFill>
@@ -873,11 +1007,12 @@
           </a:prstGeom>
         </p:spPr>
         <p:txBody>
-          <a:bodyPr lIns="0" rIns="0" tIns="0" bIns="0">
+          <a:bodyPr lIns="0" tIns="0" rIns="0" bIns="0">
             <a:normAutofit/>
           </a:bodyPr>
-          <a:p>
-            <a:endParaRPr b="0" lang="en-US" sz="2100" spc="-1" strike="noStrike">
+          <a:lstStyle/>
+          <a:p>
+            <a:endParaRPr lang="en-US" sz="2100" b="0" strike="noStrike" spc="-1">
               <a:solidFill>
                 <a:srgbClr val="000000"/>
               </a:solidFill>
@@ -888,11 +1023,14 @@
       </p:sp>
     </p:spTree>
   </p:cSld>
+  <p:clrMapOvr>
+    <a:masterClrMapping/>
+  </p:clrMapOvr>
 </p:sldLayout>
 </file>
 
 <file path=ppt/slideLayouts/slideLayout5.xml><?xml version="1.0" encoding="utf-8"?>
-<p:sldLayout xmlns:a="http://schemas.openxmlformats.org/drawingml/2006/main" xmlns:p="http://schemas.openxmlformats.org/presentationml/2006/main" xmlns:r="http://schemas.openxmlformats.org/officeDocument/2006/relationships" xmlns:p14="http://schemas.microsoft.com/office/powerpoint/2010/main" xmlns:p15="http://schemas.microsoft.com/office/powerpoint/2012/main" xmlns:mc="http://schemas.openxmlformats.org/markup-compatibility/2006" type="titleOnly" preserve="1">
+<p:sldLayout xmlns:a="http://schemas.openxmlformats.org/drawingml/2006/main" xmlns:r="http://schemas.openxmlformats.org/officeDocument/2006/relationships" xmlns:p="http://schemas.openxmlformats.org/presentationml/2006/main" type="titleOnly" preserve="1">
   <p:cSld name="Title Only">
     <p:spTree>
       <p:nvGrpSpPr>
@@ -928,11 +1066,12 @@
           </a:prstGeom>
         </p:spPr>
         <p:txBody>
-          <a:bodyPr lIns="0" rIns="0" tIns="0" bIns="0" anchor="ctr">
+          <a:bodyPr lIns="0" tIns="0" rIns="0" bIns="0" anchor="ctr">
             <a:noAutofit/>
           </a:bodyPr>
-          <a:p>
-            <a:endParaRPr b="0" lang="en-US" sz="1800" spc="-1" strike="noStrike">
+          <a:lstStyle/>
+          <a:p>
+            <a:endParaRPr lang="en-US" sz="1800" b="0" strike="noStrike" spc="-1">
               <a:solidFill>
                 <a:srgbClr val="000000"/>
               </a:solidFill>
@@ -943,11 +1082,14 @@
       </p:sp>
     </p:spTree>
   </p:cSld>
+  <p:clrMapOvr>
+    <a:masterClrMapping/>
+  </p:clrMapOvr>
 </p:sldLayout>
 </file>
 
 <file path=ppt/slideLayouts/slideLayout6.xml><?xml version="1.0" encoding="utf-8"?>
-<p:sldLayout xmlns:a="http://schemas.openxmlformats.org/drawingml/2006/main" xmlns:p="http://schemas.openxmlformats.org/presentationml/2006/main" xmlns:r="http://schemas.openxmlformats.org/officeDocument/2006/relationships" xmlns:p14="http://schemas.microsoft.com/office/powerpoint/2010/main" xmlns:p15="http://schemas.microsoft.com/office/powerpoint/2012/main" xmlns:mc="http://schemas.openxmlformats.org/markup-compatibility/2006" type="objOnly" preserve="1">
+<p:sldLayout xmlns:a="http://schemas.openxmlformats.org/drawingml/2006/main" xmlns:r="http://schemas.openxmlformats.org/officeDocument/2006/relationships" xmlns:p="http://schemas.openxmlformats.org/presentationml/2006/main" type="objOnly" preserve="1">
   <p:cSld name="Centered Text">
     <p:spTree>
       <p:nvGrpSpPr>
@@ -983,12 +1125,13 @@
           </a:prstGeom>
         </p:spPr>
         <p:txBody>
-          <a:bodyPr lIns="0" rIns="0" tIns="0" bIns="0" anchor="ctr">
+          <a:bodyPr lIns="0" tIns="0" rIns="0" bIns="0" anchor="ctr">
             <a:noAutofit/>
           </a:bodyPr>
+          <a:lstStyle/>
           <a:p>
             <a:pPr algn="ctr"/>
-            <a:endParaRPr b="0" lang="en-GB" sz="3200" spc="-1" strike="noStrike">
+            <a:endParaRPr lang="en-GB" sz="3200" b="0" strike="noStrike" spc="-1">
               <a:latin typeface="Arial"/>
             </a:endParaRPr>
           </a:p>
@@ -996,11 +1139,14 @@
       </p:sp>
     </p:spTree>
   </p:cSld>
+  <p:clrMapOvr>
+    <a:masterClrMapping/>
+  </p:clrMapOvr>
 </p:sldLayout>
 </file>
 
 <file path=ppt/slideLayouts/slideLayout7.xml><?xml version="1.0" encoding="utf-8"?>
-<p:sldLayout xmlns:a="http://schemas.openxmlformats.org/drawingml/2006/main" xmlns:p="http://schemas.openxmlformats.org/presentationml/2006/main" xmlns:r="http://schemas.openxmlformats.org/officeDocument/2006/relationships" xmlns:p14="http://schemas.microsoft.com/office/powerpoint/2010/main" xmlns:p15="http://schemas.microsoft.com/office/powerpoint/2012/main" xmlns:mc="http://schemas.openxmlformats.org/markup-compatibility/2006" type="twoObjAndObj" preserve="1">
+<p:sldLayout xmlns:a="http://schemas.openxmlformats.org/drawingml/2006/main" xmlns:r="http://schemas.openxmlformats.org/officeDocument/2006/relationships" xmlns:p="http://schemas.openxmlformats.org/presentationml/2006/main" type="twoObjAndObj" preserve="1">
   <p:cSld name="Title, 2 Content and Content">
     <p:spTree>
       <p:nvGrpSpPr>
@@ -1036,11 +1182,12 @@
           </a:prstGeom>
         </p:spPr>
         <p:txBody>
-          <a:bodyPr lIns="0" rIns="0" tIns="0" bIns="0" anchor="ctr">
+          <a:bodyPr lIns="0" tIns="0" rIns="0" bIns="0" anchor="ctr">
             <a:noAutofit/>
           </a:bodyPr>
-          <a:p>
-            <a:endParaRPr b="0" lang="en-US" sz="1800" spc="-1" strike="noStrike">
+          <a:lstStyle/>
+          <a:p>
+            <a:endParaRPr lang="en-US" sz="1800" b="0" strike="noStrike" spc="-1">
               <a:solidFill>
                 <a:srgbClr val="000000"/>
               </a:solidFill>
@@ -1069,11 +1216,12 @@
           </a:prstGeom>
         </p:spPr>
         <p:txBody>
-          <a:bodyPr lIns="0" rIns="0" tIns="0" bIns="0">
+          <a:bodyPr lIns="0" tIns="0" rIns="0" bIns="0">
             <a:normAutofit/>
           </a:bodyPr>
-          <a:p>
-            <a:endParaRPr b="0" lang="en-US" sz="2100" spc="-1" strike="noStrike">
+          <a:lstStyle/>
+          <a:p>
+            <a:endParaRPr lang="en-US" sz="2100" b="0" strike="noStrike" spc="-1">
               <a:solidFill>
                 <a:srgbClr val="000000"/>
               </a:solidFill>
@@ -1102,11 +1250,12 @@
           </a:prstGeom>
         </p:spPr>
         <p:txBody>
-          <a:bodyPr lIns="0" rIns="0" tIns="0" bIns="0">
+          <a:bodyPr lIns="0" tIns="0" rIns="0" bIns="0">
             <a:normAutofit/>
           </a:bodyPr>
-          <a:p>
-            <a:endParaRPr b="0" lang="en-US" sz="2100" spc="-1" strike="noStrike">
+          <a:lstStyle/>
+          <a:p>
+            <a:endParaRPr lang="en-US" sz="2100" b="0" strike="noStrike" spc="-1">
               <a:solidFill>
                 <a:srgbClr val="000000"/>
               </a:solidFill>
@@ -1135,11 +1284,12 @@
           </a:prstGeom>
         </p:spPr>
         <p:txBody>
-          <a:bodyPr lIns="0" rIns="0" tIns="0" bIns="0">
+          <a:bodyPr lIns="0" tIns="0" rIns="0" bIns="0">
             <a:normAutofit/>
           </a:bodyPr>
-          <a:p>
-            <a:endParaRPr b="0" lang="en-US" sz="2100" spc="-1" strike="noStrike">
+          <a:lstStyle/>
+          <a:p>
+            <a:endParaRPr lang="en-US" sz="2100" b="0" strike="noStrike" spc="-1">
               <a:solidFill>
                 <a:srgbClr val="000000"/>
               </a:solidFill>
@@ -1150,11 +1300,14 @@
       </p:sp>
     </p:spTree>
   </p:cSld>
+  <p:clrMapOvr>
+    <a:masterClrMapping/>
+  </p:clrMapOvr>
 </p:sldLayout>
 </file>
 
 <file path=ppt/slideLayouts/slideLayout8.xml><?xml version="1.0" encoding="utf-8"?>
-<p:sldLayout xmlns:a="http://schemas.openxmlformats.org/drawingml/2006/main" xmlns:p="http://schemas.openxmlformats.org/presentationml/2006/main" xmlns:r="http://schemas.openxmlformats.org/officeDocument/2006/relationships" xmlns:p14="http://schemas.microsoft.com/office/powerpoint/2010/main" xmlns:p15="http://schemas.microsoft.com/office/powerpoint/2012/main" xmlns:mc="http://schemas.openxmlformats.org/markup-compatibility/2006" type="objAndTwoObj" preserve="1">
+<p:sldLayout xmlns:a="http://schemas.openxmlformats.org/drawingml/2006/main" xmlns:r="http://schemas.openxmlformats.org/officeDocument/2006/relationships" xmlns:p="http://schemas.openxmlformats.org/presentationml/2006/main" type="objAndTwoObj" preserve="1">
   <p:cSld name="Title Content and 2 Content">
     <p:spTree>
       <p:nvGrpSpPr>
@@ -1190,11 +1343,12 @@
           </a:prstGeom>
         </p:spPr>
         <p:txBody>
-          <a:bodyPr lIns="0" rIns="0" tIns="0" bIns="0" anchor="ctr">
+          <a:bodyPr lIns="0" tIns="0" rIns="0" bIns="0" anchor="ctr">
             <a:noAutofit/>
           </a:bodyPr>
-          <a:p>
-            <a:endParaRPr b="0" lang="en-US" sz="1800" spc="-1" strike="noStrike">
+          <a:lstStyle/>
+          <a:p>
+            <a:endParaRPr lang="en-US" sz="1800" b="0" strike="noStrike" spc="-1">
               <a:solidFill>
                 <a:srgbClr val="000000"/>
               </a:solidFill>
@@ -1223,11 +1377,12 @@
           </a:prstGeom>
         </p:spPr>
         <p:txBody>
-          <a:bodyPr lIns="0" rIns="0" tIns="0" bIns="0">
+          <a:bodyPr lIns="0" tIns="0" rIns="0" bIns="0">
             <a:normAutofit/>
           </a:bodyPr>
-          <a:p>
-            <a:endParaRPr b="0" lang="en-US" sz="2100" spc="-1" strike="noStrike">
+          <a:lstStyle/>
+          <a:p>
+            <a:endParaRPr lang="en-US" sz="2100" b="0" strike="noStrike" spc="-1">
               <a:solidFill>
                 <a:srgbClr val="000000"/>
               </a:solidFill>
@@ -1256,11 +1411,12 @@
           </a:prstGeom>
         </p:spPr>
         <p:txBody>
-          <a:bodyPr lIns="0" rIns="0" tIns="0" bIns="0">
+          <a:bodyPr lIns="0" tIns="0" rIns="0" bIns="0">
             <a:normAutofit/>
           </a:bodyPr>
-          <a:p>
-            <a:endParaRPr b="0" lang="en-US" sz="2100" spc="-1" strike="noStrike">
+          <a:lstStyle/>
+          <a:p>
+            <a:endParaRPr lang="en-US" sz="2100" b="0" strike="noStrike" spc="-1">
               <a:solidFill>
                 <a:srgbClr val="000000"/>
               </a:solidFill>
@@ -1289,11 +1445,12 @@
           </a:prstGeom>
         </p:spPr>
         <p:txBody>
-          <a:bodyPr lIns="0" rIns="0" tIns="0" bIns="0">
+          <a:bodyPr lIns="0" tIns="0" rIns="0" bIns="0">
             <a:normAutofit/>
           </a:bodyPr>
-          <a:p>
-            <a:endParaRPr b="0" lang="en-US" sz="2100" spc="-1" strike="noStrike">
+          <a:lstStyle/>
+          <a:p>
+            <a:endParaRPr lang="en-US" sz="2100" b="0" strike="noStrike" spc="-1">
               <a:solidFill>
                 <a:srgbClr val="000000"/>
               </a:solidFill>
@@ -1304,11 +1461,14 @@
       </p:sp>
     </p:spTree>
   </p:cSld>
+  <p:clrMapOvr>
+    <a:masterClrMapping/>
+  </p:clrMapOvr>
 </p:sldLayout>
 </file>
 
 <file path=ppt/slideLayouts/slideLayout9.xml><?xml version="1.0" encoding="utf-8"?>
-<p:sldLayout xmlns:a="http://schemas.openxmlformats.org/drawingml/2006/main" xmlns:p="http://schemas.openxmlformats.org/presentationml/2006/main" xmlns:r="http://schemas.openxmlformats.org/officeDocument/2006/relationships" xmlns:p14="http://schemas.microsoft.com/office/powerpoint/2010/main" xmlns:p15="http://schemas.microsoft.com/office/powerpoint/2012/main" xmlns:mc="http://schemas.openxmlformats.org/markup-compatibility/2006" type="twoObjOverTx" preserve="1">
+<p:sldLayout xmlns:a="http://schemas.openxmlformats.org/drawingml/2006/main" xmlns:r="http://schemas.openxmlformats.org/officeDocument/2006/relationships" xmlns:p="http://schemas.openxmlformats.org/presentationml/2006/main" type="twoObjOverTx" preserve="1">
   <p:cSld name="Title, 2 Content over Content">
     <p:spTree>
       <p:nvGrpSpPr>
@@ -1344,11 +1504,12 @@
           </a:prstGeom>
         </p:spPr>
         <p:txBody>
-          <a:bodyPr lIns="0" rIns="0" tIns="0" bIns="0" anchor="ctr">
+          <a:bodyPr lIns="0" tIns="0" rIns="0" bIns="0" anchor="ctr">
             <a:noAutofit/>
           </a:bodyPr>
-          <a:p>
-            <a:endParaRPr b="0" lang="en-US" sz="1800" spc="-1" strike="noStrike">
+          <a:lstStyle/>
+          <a:p>
+            <a:endParaRPr lang="en-US" sz="1800" b="0" strike="noStrike" spc="-1">
               <a:solidFill>
                 <a:srgbClr val="000000"/>
               </a:solidFill>
@@ -1377,11 +1538,12 @@
           </a:prstGeom>
         </p:spPr>
         <p:txBody>
-          <a:bodyPr lIns="0" rIns="0" tIns="0" bIns="0">
+          <a:bodyPr lIns="0" tIns="0" rIns="0" bIns="0">
             <a:normAutofit/>
           </a:bodyPr>
-          <a:p>
-            <a:endParaRPr b="0" lang="en-US" sz="2100" spc="-1" strike="noStrike">
+          <a:lstStyle/>
+          <a:p>
+            <a:endParaRPr lang="en-US" sz="2100" b="0" strike="noStrike" spc="-1">
               <a:solidFill>
                 <a:srgbClr val="000000"/>
               </a:solidFill>
@@ -1410,11 +1572,12 @@
           </a:prstGeom>
         </p:spPr>
         <p:txBody>
-          <a:bodyPr lIns="0" rIns="0" tIns="0" bIns="0">
+          <a:bodyPr lIns="0" tIns="0" rIns="0" bIns="0">
             <a:normAutofit/>
           </a:bodyPr>
-          <a:p>
-            <a:endParaRPr b="0" lang="en-US" sz="2100" spc="-1" strike="noStrike">
+          <a:lstStyle/>
+          <a:p>
+            <a:endParaRPr lang="en-US" sz="2100" b="0" strike="noStrike" spc="-1">
               <a:solidFill>
                 <a:srgbClr val="000000"/>
               </a:solidFill>
@@ -1443,11 +1606,12 @@
           </a:prstGeom>
         </p:spPr>
         <p:txBody>
-          <a:bodyPr lIns="0" rIns="0" tIns="0" bIns="0">
+          <a:bodyPr lIns="0" tIns="0" rIns="0" bIns="0">
             <a:normAutofit/>
           </a:bodyPr>
-          <a:p>
-            <a:endParaRPr b="0" lang="en-US" sz="2100" spc="-1" strike="noStrike">
+          <a:lstStyle/>
+          <a:p>
+            <a:endParaRPr lang="en-US" sz="2100" b="0" strike="noStrike" spc="-1">
               <a:solidFill>
                 <a:srgbClr val="000000"/>
               </a:solidFill>
@@ -1458,17 +1622,21 @@
       </p:sp>
     </p:spTree>
   </p:cSld>
+  <p:clrMapOvr>
+    <a:masterClrMapping/>
+  </p:clrMapOvr>
 </p:sldLayout>
 </file>
 
 <file path=ppt/slideMasters/slideMaster1.xml><?xml version="1.0" encoding="utf-8"?>
-<p:sldMaster xmlns:a="http://schemas.openxmlformats.org/drawingml/2006/main" xmlns:p="http://schemas.openxmlformats.org/presentationml/2006/main" xmlns:r="http://schemas.openxmlformats.org/officeDocument/2006/relationships" xmlns:p14="http://schemas.microsoft.com/office/powerpoint/2010/main" xmlns:p15="http://schemas.microsoft.com/office/powerpoint/2012/main" xmlns:mc="http://schemas.openxmlformats.org/markup-compatibility/2006">
+<p:sldMaster xmlns:a="http://schemas.openxmlformats.org/drawingml/2006/main" xmlns:r="http://schemas.openxmlformats.org/officeDocument/2006/relationships" xmlns:p="http://schemas.openxmlformats.org/presentationml/2006/main">
   <p:cSld>
     <p:bg>
       <p:bgPr>
         <a:solidFill>
-          <a:srgbClr val="ffffff"/>
+          <a:srgbClr val="FFFFFF"/>
         </a:solidFill>
+        <a:effectLst/>
       </p:bgPr>
     </p:bg>
     <p:spTree>
@@ -1487,7 +1655,7 @@
       </p:grpSpPr>
       <p:sp>
         <p:nvSpPr>
-          <p:cNvPr id="0" name="PlaceHolder 1"/>
+          <p:cNvPr id="5" name="PlaceHolder 1"/>
           <p:cNvSpPr>
             <a:spLocks noGrp="1"/>
           </p:cNvSpPr>
@@ -1508,6 +1676,7 @@
           <a:bodyPr anchor="b">
             <a:noAutofit/>
           </a:bodyPr>
+          <a:lstStyle/>
           <a:p>
             <a:pPr algn="ctr">
               <a:lnSpc>
@@ -1515,186 +1684,15 @@
               </a:lnSpc>
             </a:pPr>
             <a:r>
-              <a:rPr b="0" lang="en-US" sz="4500" spc="-1" strike="noStrike">
+              <a:rPr lang="en-US" sz="4500" b="0" strike="noStrike" spc="-1">
                 <a:solidFill>
                   <a:srgbClr val="000000"/>
                 </a:solidFill>
                 <a:latin typeface="Calibri Light"/>
               </a:rPr>
-              <a:t>C</a:t>
+              <a:t>Click to edit Master title style</a:t>
             </a:r>
-            <a:r>
-              <a:rPr b="0" lang="en-US" sz="4500" spc="-1" strike="noStrike">
-                <a:solidFill>
-                  <a:srgbClr val="000000"/>
-                </a:solidFill>
-                <a:latin typeface="Calibri Light"/>
-              </a:rPr>
-              <a:t>li</a:t>
-            </a:r>
-            <a:r>
-              <a:rPr b="0" lang="en-US" sz="4500" spc="-1" strike="noStrike">
-                <a:solidFill>
-                  <a:srgbClr val="000000"/>
-                </a:solidFill>
-                <a:latin typeface="Calibri Light"/>
-              </a:rPr>
-              <a:t>c</a:t>
-            </a:r>
-            <a:r>
-              <a:rPr b="0" lang="en-US" sz="4500" spc="-1" strike="noStrike">
-                <a:solidFill>
-                  <a:srgbClr val="000000"/>
-                </a:solidFill>
-                <a:latin typeface="Calibri Light"/>
-              </a:rPr>
-              <a:t>k </a:t>
-            </a:r>
-            <a:r>
-              <a:rPr b="0" lang="en-US" sz="4500" spc="-1" strike="noStrike">
-                <a:solidFill>
-                  <a:srgbClr val="000000"/>
-                </a:solidFill>
-                <a:latin typeface="Calibri Light"/>
-              </a:rPr>
-              <a:t>t</a:t>
-            </a:r>
-            <a:r>
-              <a:rPr b="0" lang="en-US" sz="4500" spc="-1" strike="noStrike">
-                <a:solidFill>
-                  <a:srgbClr val="000000"/>
-                </a:solidFill>
-                <a:latin typeface="Calibri Light"/>
-              </a:rPr>
-              <a:t>o </a:t>
-            </a:r>
-            <a:r>
-              <a:rPr b="0" lang="en-US" sz="4500" spc="-1" strike="noStrike">
-                <a:solidFill>
-                  <a:srgbClr val="000000"/>
-                </a:solidFill>
-                <a:latin typeface="Calibri Light"/>
-              </a:rPr>
-              <a:t>e</a:t>
-            </a:r>
-            <a:r>
-              <a:rPr b="0" lang="en-US" sz="4500" spc="-1" strike="noStrike">
-                <a:solidFill>
-                  <a:srgbClr val="000000"/>
-                </a:solidFill>
-                <a:latin typeface="Calibri Light"/>
-              </a:rPr>
-              <a:t>di</a:t>
-            </a:r>
-            <a:r>
-              <a:rPr b="0" lang="en-US" sz="4500" spc="-1" strike="noStrike">
-                <a:solidFill>
-                  <a:srgbClr val="000000"/>
-                </a:solidFill>
-                <a:latin typeface="Calibri Light"/>
-              </a:rPr>
-              <a:t>t </a:t>
-            </a:r>
-            <a:r>
-              <a:rPr b="0" lang="en-US" sz="4500" spc="-1" strike="noStrike">
-                <a:solidFill>
-                  <a:srgbClr val="000000"/>
-                </a:solidFill>
-                <a:latin typeface="Calibri Light"/>
-              </a:rPr>
-              <a:t>M</a:t>
-            </a:r>
-            <a:r>
-              <a:rPr b="0" lang="en-US" sz="4500" spc="-1" strike="noStrike">
-                <a:solidFill>
-                  <a:srgbClr val="000000"/>
-                </a:solidFill>
-                <a:latin typeface="Calibri Light"/>
-              </a:rPr>
-              <a:t>a</a:t>
-            </a:r>
-            <a:r>
-              <a:rPr b="0" lang="en-US" sz="4500" spc="-1" strike="noStrike">
-                <a:solidFill>
-                  <a:srgbClr val="000000"/>
-                </a:solidFill>
-                <a:latin typeface="Calibri Light"/>
-              </a:rPr>
-              <a:t>st</a:t>
-            </a:r>
-            <a:r>
-              <a:rPr b="0" lang="en-US" sz="4500" spc="-1" strike="noStrike">
-                <a:solidFill>
-                  <a:srgbClr val="000000"/>
-                </a:solidFill>
-                <a:latin typeface="Calibri Light"/>
-              </a:rPr>
-              <a:t>e</a:t>
-            </a:r>
-            <a:r>
-              <a:rPr b="0" lang="en-US" sz="4500" spc="-1" strike="noStrike">
-                <a:solidFill>
-                  <a:srgbClr val="000000"/>
-                </a:solidFill>
-                <a:latin typeface="Calibri Light"/>
-              </a:rPr>
-              <a:t>r </a:t>
-            </a:r>
-            <a:r>
-              <a:rPr b="0" lang="en-US" sz="4500" spc="-1" strike="noStrike">
-                <a:solidFill>
-                  <a:srgbClr val="000000"/>
-                </a:solidFill>
-                <a:latin typeface="Calibri Light"/>
-              </a:rPr>
-              <a:t>ti</a:t>
-            </a:r>
-            <a:r>
-              <a:rPr b="0" lang="en-US" sz="4500" spc="-1" strike="noStrike">
-                <a:solidFill>
-                  <a:srgbClr val="000000"/>
-                </a:solidFill>
-                <a:latin typeface="Calibri Light"/>
-              </a:rPr>
-              <a:t>tl</a:t>
-            </a:r>
-            <a:r>
-              <a:rPr b="0" lang="en-US" sz="4500" spc="-1" strike="noStrike">
-                <a:solidFill>
-                  <a:srgbClr val="000000"/>
-                </a:solidFill>
-                <a:latin typeface="Calibri Light"/>
-              </a:rPr>
-              <a:t>e </a:t>
-            </a:r>
-            <a:r>
-              <a:rPr b="0" lang="en-US" sz="4500" spc="-1" strike="noStrike">
-                <a:solidFill>
-                  <a:srgbClr val="000000"/>
-                </a:solidFill>
-                <a:latin typeface="Calibri Light"/>
-              </a:rPr>
-              <a:t>st</a:t>
-            </a:r>
-            <a:r>
-              <a:rPr b="0" lang="en-US" sz="4500" spc="-1" strike="noStrike">
-                <a:solidFill>
-                  <a:srgbClr val="000000"/>
-                </a:solidFill>
-                <a:latin typeface="Calibri Light"/>
-              </a:rPr>
-              <a:t>yl</a:t>
-            </a:r>
-            <a:r>
-              <a:rPr b="0" lang="en-US" sz="4500" spc="-1" strike="noStrike">
-                <a:solidFill>
-                  <a:srgbClr val="000000"/>
-                </a:solidFill>
-                <a:latin typeface="Calibri Light"/>
-              </a:rPr>
-              <a:t>e</a:t>
-            </a:r>
-            <a:endParaRPr b="0" lang="en-US" sz="4500" spc="-1" strike="noStrike">
+            <a:endParaRPr lang="en-US" sz="4500" b="0" strike="noStrike" spc="-1">
               <a:solidFill>
                 <a:srgbClr val="000000"/>
               </a:solidFill>
@@ -1705,7 +1703,7 @@
       </p:sp>
       <p:sp>
         <p:nvSpPr>
-          <p:cNvPr id="1" name="PlaceHolder 2"/>
+          <p:cNvPr id="6" name="PlaceHolder 2"/>
           <p:cNvSpPr>
             <a:spLocks noGrp="1"/>
           </p:cNvSpPr>
@@ -1726,6 +1724,7 @@
           <a:bodyPr anchor="ctr">
             <a:noAutofit/>
           </a:bodyPr>
+          <a:lstStyle/>
           <a:p>
             <a:pPr>
               <a:lnSpc>
@@ -1733,15 +1732,15 @@
               </a:lnSpc>
             </a:pPr>
             <a:fld id="{BE051767-23B3-484F-B351-EA1AA4BB60B9}" type="datetime">
-              <a:rPr b="0" lang="en-US" sz="900" spc="-1" strike="noStrike">
+              <a:rPr lang="en-US" sz="900" b="0" strike="noStrike" spc="-1">
                 <a:solidFill>
-                  <a:srgbClr val="8b8b8b"/>
+                  <a:srgbClr val="8B8B8B"/>
                 </a:solidFill>
                 <a:latin typeface="Calibri"/>
               </a:rPr>
-              <a:t>11/28/21</a:t>
+              <a:t>11/30/2021</a:t>
             </a:fld>
-            <a:endParaRPr b="0" lang="en-GB" sz="900" spc="-1" strike="noStrike">
+            <a:endParaRPr lang="en-GB" sz="900" b="0" strike="noStrike" spc="-1">
               <a:latin typeface="Times New Roman"/>
             </a:endParaRPr>
           </a:p>
@@ -1770,8 +1769,9 @@
           <a:bodyPr anchor="ctr">
             <a:noAutofit/>
           </a:bodyPr>
-          <a:p>
-            <a:endParaRPr b="0" lang="en-GB" sz="2400" spc="-1" strike="noStrike">
+          <a:lstStyle/>
+          <a:p>
+            <a:endParaRPr lang="en-GB" sz="2400" b="0" strike="noStrike" spc="-1">
               <a:latin typeface="Times New Roman"/>
             </a:endParaRPr>
           </a:p>
@@ -1800,6 +1800,7 @@
           <a:bodyPr anchor="ctr">
             <a:noAutofit/>
           </a:bodyPr>
+          <a:lstStyle/>
           <a:p>
             <a:pPr algn="r">
               <a:lnSpc>
@@ -1807,15 +1808,15 @@
               </a:lnSpc>
             </a:pPr>
             <a:fld id="{3ED7C062-EC9E-44B2-BB96-AE3E8A40706B}" type="slidenum">
-              <a:rPr b="0" lang="en-US" sz="900" spc="-1" strike="noStrike">
+              <a:rPr lang="en-US" sz="900" b="0" strike="noStrike" spc="-1">
                 <a:solidFill>
-                  <a:srgbClr val="8b8b8b"/>
+                  <a:srgbClr val="8B8B8B"/>
                 </a:solidFill>
                 <a:latin typeface="Calibri"/>
               </a:rPr>
-              <a:t>&lt;number&gt;</a:t>
+              <a:t>‹#›</a:t>
             </a:fld>
-            <a:endParaRPr b="0" lang="en-GB" sz="900" spc="-1" strike="noStrike">
+            <a:endParaRPr lang="en-GB" sz="900" b="0" strike="noStrike" spc="-1">
               <a:latin typeface="Times New Roman"/>
             </a:endParaRPr>
           </a:p>
@@ -1841,9 +1842,10 @@
           </a:prstGeom>
         </p:spPr>
         <p:txBody>
-          <a:bodyPr lIns="0" rIns="0" tIns="0" bIns="0">
+          <a:bodyPr lIns="0" tIns="0" rIns="0" bIns="0">
             <a:normAutofit/>
           </a:bodyPr>
+          <a:lstStyle/>
           <a:p>
             <a:pPr marL="432000" indent="-324000">
               <a:spcBef>
@@ -1857,7 +1859,7 @@
               <a:buChar char=""/>
             </a:pPr>
             <a:r>
-              <a:rPr b="0" lang="en-US" sz="2100" spc="-1" strike="noStrike">
+              <a:rPr lang="en-US" sz="2100" b="0" strike="noStrike" spc="-1">
                 <a:solidFill>
                   <a:srgbClr val="000000"/>
                 </a:solidFill>
@@ -1865,15 +1867,9 @@
               </a:rPr>
               <a:t>Click to edit the outline text format</a:t>
             </a:r>
-            <a:endParaRPr b="0" lang="en-US" sz="2100" spc="-1" strike="noStrike">
-              <a:solidFill>
-                <a:srgbClr val="000000"/>
-              </a:solidFill>
-              <a:latin typeface="Calibri"/>
-            </a:endParaRPr>
-          </a:p>
-          <a:p>
-            <a:pPr lvl="1" marL="864000" indent="-324000">
+          </a:p>
+          <a:p>
+            <a:pPr marL="864000" lvl="1" indent="-324000">
               <a:spcBef>
                 <a:spcPts val="1134"/>
               </a:spcBef>
@@ -1885,7 +1881,7 @@
               <a:buChar char=""/>
             </a:pPr>
             <a:r>
-              <a:rPr b="0" lang="en-US" sz="1500" spc="-1" strike="noStrike">
+              <a:rPr lang="en-US" sz="1500" b="0" strike="noStrike" spc="-1">
                 <a:solidFill>
                   <a:srgbClr val="000000"/>
                 </a:solidFill>
@@ -1893,15 +1889,9 @@
               </a:rPr>
               <a:t>Second Outline Level</a:t>
             </a:r>
-            <a:endParaRPr b="0" lang="en-US" sz="1500" spc="-1" strike="noStrike">
-              <a:solidFill>
-                <a:srgbClr val="000000"/>
-              </a:solidFill>
-              <a:latin typeface="Calibri"/>
-            </a:endParaRPr>
-          </a:p>
-          <a:p>
-            <a:pPr lvl="2" marL="1296000" indent="-288000">
+          </a:p>
+          <a:p>
+            <a:pPr marL="1296000" lvl="2" indent="-288000">
               <a:spcBef>
                 <a:spcPts val="850"/>
               </a:spcBef>
@@ -1913,7 +1903,7 @@
               <a:buChar char=""/>
             </a:pPr>
             <a:r>
-              <a:rPr b="0" lang="en-US" sz="1350" spc="-1" strike="noStrike">
+              <a:rPr lang="en-US" sz="1350" b="0" strike="noStrike" spc="-1">
                 <a:solidFill>
                   <a:srgbClr val="000000"/>
                 </a:solidFill>
@@ -1921,15 +1911,9 @@
               </a:rPr>
               <a:t>Third Outline Level</a:t>
             </a:r>
-            <a:endParaRPr b="0" lang="en-US" sz="1350" spc="-1" strike="noStrike">
-              <a:solidFill>
-                <a:srgbClr val="000000"/>
-              </a:solidFill>
-              <a:latin typeface="Calibri"/>
-            </a:endParaRPr>
-          </a:p>
-          <a:p>
-            <a:pPr lvl="3" marL="1728000" indent="-216000">
+          </a:p>
+          <a:p>
+            <a:pPr marL="1728000" lvl="3" indent="-216000">
               <a:spcBef>
                 <a:spcPts val="567"/>
               </a:spcBef>
@@ -1941,7 +1925,7 @@
               <a:buChar char=""/>
             </a:pPr>
             <a:r>
-              <a:rPr b="0" lang="en-US" sz="1350" spc="-1" strike="noStrike">
+              <a:rPr lang="en-US" sz="1350" b="0" strike="noStrike" spc="-1">
                 <a:solidFill>
                   <a:srgbClr val="000000"/>
                 </a:solidFill>
@@ -1949,15 +1933,9 @@
               </a:rPr>
               <a:t>Fourth Outline Level</a:t>
             </a:r>
-            <a:endParaRPr b="0" lang="en-US" sz="1350" spc="-1" strike="noStrike">
-              <a:solidFill>
-                <a:srgbClr val="000000"/>
-              </a:solidFill>
-              <a:latin typeface="Calibri"/>
-            </a:endParaRPr>
-          </a:p>
-          <a:p>
-            <a:pPr lvl="4" marL="2160000" indent="-216000">
+          </a:p>
+          <a:p>
+            <a:pPr marL="2160000" lvl="4" indent="-216000">
               <a:spcBef>
                 <a:spcPts val="283"/>
               </a:spcBef>
@@ -1969,7 +1947,7 @@
               <a:buChar char=""/>
             </a:pPr>
             <a:r>
-              <a:rPr b="0" lang="en-US" sz="2000" spc="-1" strike="noStrike">
+              <a:rPr lang="en-US" sz="2000" b="0" strike="noStrike" spc="-1">
                 <a:solidFill>
                   <a:srgbClr val="000000"/>
                 </a:solidFill>
@@ -1977,15 +1955,9 @@
               </a:rPr>
               <a:t>Fifth Outline Level</a:t>
             </a:r>
-            <a:endParaRPr b="0" lang="en-US" sz="2000" spc="-1" strike="noStrike">
-              <a:solidFill>
-                <a:srgbClr val="000000"/>
-              </a:solidFill>
-              <a:latin typeface="Calibri"/>
-            </a:endParaRPr>
-          </a:p>
-          <a:p>
-            <a:pPr lvl="5" marL="2592000" indent="-216000">
+          </a:p>
+          <a:p>
+            <a:pPr marL="2592000" lvl="5" indent="-216000">
               <a:spcBef>
                 <a:spcPts val="283"/>
               </a:spcBef>
@@ -1997,7 +1969,7 @@
               <a:buChar char=""/>
             </a:pPr>
             <a:r>
-              <a:rPr b="0" lang="en-US" sz="2000" spc="-1" strike="noStrike">
+              <a:rPr lang="en-US" sz="2000" b="0" strike="noStrike" spc="-1">
                 <a:solidFill>
                   <a:srgbClr val="000000"/>
                 </a:solidFill>
@@ -2005,15 +1977,9 @@
               </a:rPr>
               <a:t>Sixth Outline Level</a:t>
             </a:r>
-            <a:endParaRPr b="0" lang="en-US" sz="2000" spc="-1" strike="noStrike">
-              <a:solidFill>
-                <a:srgbClr val="000000"/>
-              </a:solidFill>
-              <a:latin typeface="Calibri"/>
-            </a:endParaRPr>
-          </a:p>
-          <a:p>
-            <a:pPr lvl="6" marL="3024000" indent="-216000">
+          </a:p>
+          <a:p>
+            <a:pPr marL="3024000" lvl="6" indent="-216000">
               <a:spcBef>
                 <a:spcPts val="283"/>
               </a:spcBef>
@@ -2025,7 +1991,7 @@
               <a:buChar char=""/>
             </a:pPr>
             <a:r>
-              <a:rPr b="0" lang="en-US" sz="2000" spc="-1" strike="noStrike">
+              <a:rPr lang="en-US" sz="2000" b="0" strike="noStrike" spc="-1">
                 <a:solidFill>
                   <a:srgbClr val="000000"/>
                 </a:solidFill>
@@ -2033,37 +1999,311 @@
               </a:rPr>
               <a:t>Seventh Outline Level</a:t>
             </a:r>
-            <a:endParaRPr b="0" lang="en-US" sz="2000" spc="-1" strike="noStrike">
-              <a:solidFill>
-                <a:srgbClr val="000000"/>
-              </a:solidFill>
-              <a:latin typeface="Calibri"/>
-            </a:endParaRPr>
           </a:p>
         </p:txBody>
       </p:sp>
     </p:spTree>
   </p:cSld>
-  <p:clrMap bg1="lt1" bg2="lt2" tx1="dk1" tx2="dk2" accent1="accent1" accent2="accent2" accent3="accent3" accent4="accent4" accent5="accent5" accent6="accent6" hlink="hlink" folHlink="folHlink"/>
+  <p:clrMap bg1="lt1" tx1="dk1" bg2="lt2" tx2="dk2" accent1="accent1" accent2="accent2" accent3="accent3" accent4="accent4" accent5="accent5" accent6="accent6" hlink="hlink" folHlink="folHlink"/>
   <p:sldLayoutIdLst>
-    <p:sldLayoutId id="2147483649" r:id="rId2"/>
-    <p:sldLayoutId id="2147483650" r:id="rId3"/>
-    <p:sldLayoutId id="2147483651" r:id="rId4"/>
-    <p:sldLayoutId id="2147483652" r:id="rId5"/>
-    <p:sldLayoutId id="2147483653" r:id="rId6"/>
-    <p:sldLayoutId id="2147483654" r:id="rId7"/>
-    <p:sldLayoutId id="2147483655" r:id="rId8"/>
-    <p:sldLayoutId id="2147483656" r:id="rId9"/>
-    <p:sldLayoutId id="2147483657" r:id="rId10"/>
-    <p:sldLayoutId id="2147483658" r:id="rId11"/>
-    <p:sldLayoutId id="2147483659" r:id="rId12"/>
-    <p:sldLayoutId id="2147483660" r:id="rId13"/>
+    <p:sldLayoutId id="2147483649" r:id="rId1"/>
+    <p:sldLayoutId id="2147483650" r:id="rId2"/>
+    <p:sldLayoutId id="2147483651" r:id="rId3"/>
+    <p:sldLayoutId id="2147483652" r:id="rId4"/>
+    <p:sldLayoutId id="2147483653" r:id="rId5"/>
+    <p:sldLayoutId id="2147483654" r:id="rId6"/>
+    <p:sldLayoutId id="2147483655" r:id="rId7"/>
+    <p:sldLayoutId id="2147483656" r:id="rId8"/>
+    <p:sldLayoutId id="2147483657" r:id="rId9"/>
+    <p:sldLayoutId id="2147483658" r:id="rId10"/>
+    <p:sldLayoutId id="2147483659" r:id="rId11"/>
+    <p:sldLayoutId id="2147483660" r:id="rId12"/>
   </p:sldLayoutIdLst>
+  <p:txStyles>
+    <p:titleStyle>
+      <a:lvl1pPr algn="l" defTabSz="914400" rtl="0" eaLnBrk="1" latinLnBrk="0" hangingPunct="1">
+        <a:lnSpc>
+          <a:spcPct val="90000"/>
+        </a:lnSpc>
+        <a:spcBef>
+          <a:spcPct val="0"/>
+        </a:spcBef>
+        <a:buNone/>
+        <a:defRPr sz="4400" kern="1200">
+          <a:solidFill>
+            <a:schemeClr val="tx1"/>
+          </a:solidFill>
+          <a:latin typeface="+mj-lt"/>
+          <a:ea typeface="+mj-ea"/>
+          <a:cs typeface="+mj-cs"/>
+        </a:defRPr>
+      </a:lvl1pPr>
+    </p:titleStyle>
+    <p:bodyStyle>
+      <a:lvl1pPr marL="228600" indent="-228600" algn="l" defTabSz="914400" rtl="0" eaLnBrk="1" latinLnBrk="0" hangingPunct="1">
+        <a:lnSpc>
+          <a:spcPct val="90000"/>
+        </a:lnSpc>
+        <a:spcBef>
+          <a:spcPts val="1000"/>
+        </a:spcBef>
+        <a:buFont typeface="Arial" panose="020B0604020202020204" pitchFamily="34" charset="0"/>
+        <a:buChar char="•"/>
+        <a:defRPr sz="2800" kern="1200">
+          <a:solidFill>
+            <a:schemeClr val="tx1"/>
+          </a:solidFill>
+          <a:latin typeface="+mn-lt"/>
+          <a:ea typeface="+mn-ea"/>
+          <a:cs typeface="+mn-cs"/>
+        </a:defRPr>
+      </a:lvl1pPr>
+      <a:lvl2pPr marL="685800" indent="-228600" algn="l" defTabSz="914400" rtl="0" eaLnBrk="1" latinLnBrk="0" hangingPunct="1">
+        <a:lnSpc>
+          <a:spcPct val="90000"/>
+        </a:lnSpc>
+        <a:spcBef>
+          <a:spcPts val="500"/>
+        </a:spcBef>
+        <a:buFont typeface="Arial" panose="020B0604020202020204" pitchFamily="34" charset="0"/>
+        <a:buChar char="•"/>
+        <a:defRPr sz="2400" kern="1200">
+          <a:solidFill>
+            <a:schemeClr val="tx1"/>
+          </a:solidFill>
+          <a:latin typeface="+mn-lt"/>
+          <a:ea typeface="+mn-ea"/>
+          <a:cs typeface="+mn-cs"/>
+        </a:defRPr>
+      </a:lvl2pPr>
+      <a:lvl3pPr marL="1143000" indent="-228600" algn="l" defTabSz="914400" rtl="0" eaLnBrk="1" latinLnBrk="0" hangingPunct="1">
+        <a:lnSpc>
+          <a:spcPct val="90000"/>
+        </a:lnSpc>
+        <a:spcBef>
+          <a:spcPts val="500"/>
+        </a:spcBef>
+        <a:buFont typeface="Arial" panose="020B0604020202020204" pitchFamily="34" charset="0"/>
+        <a:buChar char="•"/>
+        <a:defRPr sz="2000" kern="1200">
+          <a:solidFill>
+            <a:schemeClr val="tx1"/>
+          </a:solidFill>
+          <a:latin typeface="+mn-lt"/>
+          <a:ea typeface="+mn-ea"/>
+          <a:cs typeface="+mn-cs"/>
+        </a:defRPr>
+      </a:lvl3pPr>
+      <a:lvl4pPr marL="1600200" indent="-228600" algn="l" defTabSz="914400" rtl="0" eaLnBrk="1" latinLnBrk="0" hangingPunct="1">
+        <a:lnSpc>
+          <a:spcPct val="90000"/>
+        </a:lnSpc>
+        <a:spcBef>
+          <a:spcPts val="500"/>
+        </a:spcBef>
+        <a:buFont typeface="Arial" panose="020B0604020202020204" pitchFamily="34" charset="0"/>
+        <a:buChar char="•"/>
+        <a:defRPr sz="1800" kern="1200">
+          <a:solidFill>
+            <a:schemeClr val="tx1"/>
+          </a:solidFill>
+          <a:latin typeface="+mn-lt"/>
+          <a:ea typeface="+mn-ea"/>
+          <a:cs typeface="+mn-cs"/>
+        </a:defRPr>
+      </a:lvl4pPr>
+      <a:lvl5pPr marL="2057400" indent="-228600" algn="l" defTabSz="914400" rtl="0" eaLnBrk="1" latinLnBrk="0" hangingPunct="1">
+        <a:lnSpc>
+          <a:spcPct val="90000"/>
+        </a:lnSpc>
+        <a:spcBef>
+          <a:spcPts val="500"/>
+        </a:spcBef>
+        <a:buFont typeface="Arial" panose="020B0604020202020204" pitchFamily="34" charset="0"/>
+        <a:buChar char="•"/>
+        <a:defRPr sz="1800" kern="1200">
+          <a:solidFill>
+            <a:schemeClr val="tx1"/>
+          </a:solidFill>
+          <a:latin typeface="+mn-lt"/>
+          <a:ea typeface="+mn-ea"/>
+          <a:cs typeface="+mn-cs"/>
+        </a:defRPr>
+      </a:lvl5pPr>
+      <a:lvl6pPr marL="2514600" indent="-228600" algn="l" defTabSz="914400" rtl="0" eaLnBrk="1" latinLnBrk="0" hangingPunct="1">
+        <a:lnSpc>
+          <a:spcPct val="90000"/>
+        </a:lnSpc>
+        <a:spcBef>
+          <a:spcPts val="500"/>
+        </a:spcBef>
+        <a:buFont typeface="Arial" panose="020B0604020202020204" pitchFamily="34" charset="0"/>
+        <a:buChar char="•"/>
+        <a:defRPr sz="1800" kern="1200">
+          <a:solidFill>
+            <a:schemeClr val="tx1"/>
+          </a:solidFill>
+          <a:latin typeface="+mn-lt"/>
+          <a:ea typeface="+mn-ea"/>
+          <a:cs typeface="+mn-cs"/>
+        </a:defRPr>
+      </a:lvl6pPr>
+      <a:lvl7pPr marL="2971800" indent="-228600" algn="l" defTabSz="914400" rtl="0" eaLnBrk="1" latinLnBrk="0" hangingPunct="1">
+        <a:lnSpc>
+          <a:spcPct val="90000"/>
+        </a:lnSpc>
+        <a:spcBef>
+          <a:spcPts val="500"/>
+        </a:spcBef>
+        <a:buFont typeface="Arial" panose="020B0604020202020204" pitchFamily="34" charset="0"/>
+        <a:buChar char="•"/>
+        <a:defRPr sz="1800" kern="1200">
+          <a:solidFill>
+            <a:schemeClr val="tx1"/>
+          </a:solidFill>
+          <a:latin typeface="+mn-lt"/>
+          <a:ea typeface="+mn-ea"/>
+          <a:cs typeface="+mn-cs"/>
+        </a:defRPr>
+      </a:lvl7pPr>
+      <a:lvl8pPr marL="3429000" indent="-228600" algn="l" defTabSz="914400" rtl="0" eaLnBrk="1" latinLnBrk="0" hangingPunct="1">
+        <a:lnSpc>
+          <a:spcPct val="90000"/>
+        </a:lnSpc>
+        <a:spcBef>
+          <a:spcPts val="500"/>
+        </a:spcBef>
+        <a:buFont typeface="Arial" panose="020B0604020202020204" pitchFamily="34" charset="0"/>
+        <a:buChar char="•"/>
+        <a:defRPr sz="1800" kern="1200">
+          <a:solidFill>
+            <a:schemeClr val="tx1"/>
+          </a:solidFill>
+          <a:latin typeface="+mn-lt"/>
+          <a:ea typeface="+mn-ea"/>
+          <a:cs typeface="+mn-cs"/>
+        </a:defRPr>
+      </a:lvl8pPr>
+      <a:lvl9pPr marL="3886200" indent="-228600" algn="l" defTabSz="914400" rtl="0" eaLnBrk="1" latinLnBrk="0" hangingPunct="1">
+        <a:lnSpc>
+          <a:spcPct val="90000"/>
+        </a:lnSpc>
+        <a:spcBef>
+          <a:spcPts val="500"/>
+        </a:spcBef>
+        <a:buFont typeface="Arial" panose="020B0604020202020204" pitchFamily="34" charset="0"/>
+        <a:buChar char="•"/>
+        <a:defRPr sz="1800" kern="1200">
+          <a:solidFill>
+            <a:schemeClr val="tx1"/>
+          </a:solidFill>
+          <a:latin typeface="+mn-lt"/>
+          <a:ea typeface="+mn-ea"/>
+          <a:cs typeface="+mn-cs"/>
+        </a:defRPr>
+      </a:lvl9pPr>
+    </p:bodyStyle>
+    <p:otherStyle>
+      <a:defPPr>
+        <a:defRPr lang="en-US"/>
+      </a:defPPr>
+      <a:lvl1pPr marL="0" algn="l" defTabSz="914400" rtl="0" eaLnBrk="1" latinLnBrk="0" hangingPunct="1">
+        <a:defRPr sz="1800" kern="1200">
+          <a:solidFill>
+            <a:schemeClr val="tx1"/>
+          </a:solidFill>
+          <a:latin typeface="+mn-lt"/>
+          <a:ea typeface="+mn-ea"/>
+          <a:cs typeface="+mn-cs"/>
+        </a:defRPr>
+      </a:lvl1pPr>
+      <a:lvl2pPr marL="457200" algn="l" defTabSz="914400" rtl="0" eaLnBrk="1" latinLnBrk="0" hangingPunct="1">
+        <a:defRPr sz="1800" kern="1200">
+          <a:solidFill>
+            <a:schemeClr val="tx1"/>
+          </a:solidFill>
+          <a:latin typeface="+mn-lt"/>
+          <a:ea typeface="+mn-ea"/>
+          <a:cs typeface="+mn-cs"/>
+        </a:defRPr>
+      </a:lvl2pPr>
+      <a:lvl3pPr marL="914400" algn="l" defTabSz="914400" rtl="0" eaLnBrk="1" latinLnBrk="0" hangingPunct="1">
+        <a:defRPr sz="1800" kern="1200">
+          <a:solidFill>
+            <a:schemeClr val="tx1"/>
+          </a:solidFill>
+          <a:latin typeface="+mn-lt"/>
+          <a:ea typeface="+mn-ea"/>
+          <a:cs typeface="+mn-cs"/>
+        </a:defRPr>
+      </a:lvl3pPr>
+      <a:lvl4pPr marL="1371600" algn="l" defTabSz="914400" rtl="0" eaLnBrk="1" latinLnBrk="0" hangingPunct="1">
+        <a:defRPr sz="1800" kern="1200">
+          <a:solidFill>
+            <a:schemeClr val="tx1"/>
+          </a:solidFill>
+          <a:latin typeface="+mn-lt"/>
+          <a:ea typeface="+mn-ea"/>
+          <a:cs typeface="+mn-cs"/>
+        </a:defRPr>
+      </a:lvl4pPr>
+      <a:lvl5pPr marL="1828800" algn="l" defTabSz="914400" rtl="0" eaLnBrk="1" latinLnBrk="0" hangingPunct="1">
+        <a:defRPr sz="1800" kern="1200">
+          <a:solidFill>
+            <a:schemeClr val="tx1"/>
+          </a:solidFill>
+          <a:latin typeface="+mn-lt"/>
+          <a:ea typeface="+mn-ea"/>
+          <a:cs typeface="+mn-cs"/>
+        </a:defRPr>
+      </a:lvl5pPr>
+      <a:lvl6pPr marL="2286000" algn="l" defTabSz="914400" rtl="0" eaLnBrk="1" latinLnBrk="0" hangingPunct="1">
+        <a:defRPr sz="1800" kern="1200">
+          <a:solidFill>
+            <a:schemeClr val="tx1"/>
+          </a:solidFill>
+          <a:latin typeface="+mn-lt"/>
+          <a:ea typeface="+mn-ea"/>
+          <a:cs typeface="+mn-cs"/>
+        </a:defRPr>
+      </a:lvl6pPr>
+      <a:lvl7pPr marL="2743200" algn="l" defTabSz="914400" rtl="0" eaLnBrk="1" latinLnBrk="0" hangingPunct="1">
+        <a:defRPr sz="1800" kern="1200">
+          <a:solidFill>
+            <a:schemeClr val="tx1"/>
+          </a:solidFill>
+          <a:latin typeface="+mn-lt"/>
+          <a:ea typeface="+mn-ea"/>
+          <a:cs typeface="+mn-cs"/>
+        </a:defRPr>
+      </a:lvl7pPr>
+      <a:lvl8pPr marL="3200400" algn="l" defTabSz="914400" rtl="0" eaLnBrk="1" latinLnBrk="0" hangingPunct="1">
+        <a:defRPr sz="1800" kern="1200">
+          <a:solidFill>
+            <a:schemeClr val="tx1"/>
+          </a:solidFill>
+          <a:latin typeface="+mn-lt"/>
+          <a:ea typeface="+mn-ea"/>
+          <a:cs typeface="+mn-cs"/>
+        </a:defRPr>
+      </a:lvl8pPr>
+      <a:lvl9pPr marL="3657600" algn="l" defTabSz="914400" rtl="0" eaLnBrk="1" latinLnBrk="0" hangingPunct="1">
+        <a:defRPr sz="1800" kern="1200">
+          <a:solidFill>
+            <a:schemeClr val="tx1"/>
+          </a:solidFill>
+          <a:latin typeface="+mn-lt"/>
+          <a:ea typeface="+mn-ea"/>
+          <a:cs typeface="+mn-cs"/>
+        </a:defRPr>
+      </a:lvl9pPr>
+    </p:otherStyle>
+  </p:txStyles>
 </p:sldMaster>
 </file>
 
 <file path=ppt/slides/slide1.xml><?xml version="1.0" encoding="utf-8"?>
-<p:sld xmlns:a="http://schemas.openxmlformats.org/drawingml/2006/main" xmlns:p="http://schemas.openxmlformats.org/presentationml/2006/main" xmlns:r="http://schemas.openxmlformats.org/officeDocument/2006/relationships" xmlns:p14="http://schemas.microsoft.com/office/powerpoint/2010/main" xmlns:p15="http://schemas.microsoft.com/office/powerpoint/2012/main" xmlns:mc="http://schemas.openxmlformats.org/markup-compatibility/2006">
+<p:sld xmlns:a="http://schemas.openxmlformats.org/drawingml/2006/main" xmlns:r="http://schemas.openxmlformats.org/officeDocument/2006/relationships" xmlns:p="http://schemas.openxmlformats.org/presentationml/2006/main">
   <p:cSld>
     <p:spTree>
       <p:nvGrpSpPr>
@@ -2117,9 +2357,10 @@
           <a:fontRef idx="minor"/>
         </p:style>
         <p:txBody>
-          <a:bodyPr lIns="90000" rIns="90000" tIns="45000" bIns="45000" anchor="ctr">
+          <a:bodyPr lIns="90000" tIns="45000" rIns="90000" bIns="45000" anchor="ctr">
             <a:noAutofit/>
           </a:bodyPr>
+          <a:lstStyle/>
           <a:p>
             <a:pPr algn="ctr">
               <a:lnSpc>
@@ -2127,7 +2368,7 @@
               </a:lnSpc>
             </a:pPr>
             <a:r>
-              <a:rPr b="1" lang="en-US" sz="1400" spc="-1" strike="noStrike">
+              <a:rPr lang="en-US" sz="1400" b="1" strike="noStrike" spc="-1">
                 <a:solidFill>
                   <a:srgbClr val="000000"/>
                 </a:solidFill>
@@ -2135,7 +2376,7 @@
               </a:rPr>
               <a:t>found</a:t>
             </a:r>
-            <a:endParaRPr b="0" lang="en-GB" sz="1400" spc="-1" strike="noStrike">
+            <a:endParaRPr lang="en-GB" sz="1400" b="0" strike="noStrike" spc="-1">
               <a:latin typeface="Arial"/>
             </a:endParaRPr>
           </a:p>
@@ -2146,7 +2387,7 @@
               </a:lnSpc>
             </a:pPr>
             <a:r>
-              <a:rPr b="1" lang="en-US" sz="1400" spc="-1" strike="noStrike">
+              <a:rPr lang="en-US" sz="1400" b="1" strike="noStrike" spc="-1">
                 <a:solidFill>
                   <a:srgbClr val="000000"/>
                 </a:solidFill>
@@ -2154,7 +2395,7 @@
               </a:rPr>
               <a:t>obstacle?</a:t>
             </a:r>
-            <a:endParaRPr b="0" lang="en-GB" sz="1400" spc="-1" strike="noStrike">
+            <a:endParaRPr lang="en-GB" sz="1400" b="0" strike="noStrike" spc="-1">
               <a:latin typeface="Arial"/>
             </a:endParaRPr>
           </a:p>
@@ -2200,9 +2441,10 @@
           <a:fontRef idx="minor"/>
         </p:style>
         <p:txBody>
-          <a:bodyPr lIns="90000" rIns="90000" tIns="45000" bIns="45000" anchor="ctr">
+          <a:bodyPr lIns="90000" tIns="45000" rIns="90000" bIns="45000" anchor="ctr">
             <a:noAutofit/>
           </a:bodyPr>
+          <a:lstStyle/>
           <a:p>
             <a:pPr algn="ctr">
               <a:lnSpc>
@@ -2210,7 +2452,7 @@
               </a:lnSpc>
             </a:pPr>
             <a:r>
-              <a:rPr b="1" lang="en-US" sz="1400" spc="-1" strike="noStrike">
+              <a:rPr lang="en-US" sz="1400" b="1" strike="noStrike" spc="-1">
                 <a:solidFill>
                   <a:srgbClr val="000000"/>
                 </a:solidFill>
@@ -2218,7 +2460,7 @@
               </a:rPr>
               <a:t>step back</a:t>
             </a:r>
-            <a:endParaRPr b="0" lang="en-GB" sz="1400" spc="-1" strike="noStrike">
+            <a:endParaRPr lang="en-GB" sz="1400" b="0" strike="noStrike" spc="-1">
               <a:latin typeface="Arial"/>
             </a:endParaRPr>
           </a:p>
@@ -2244,15 +2486,22 @@
           </a:ln>
         </p:spPr>
         <p:style>
-          <a:lnRef idx="0"/>
-          <a:fillRef idx="0"/>
-          <a:effectRef idx="0"/>
+          <a:lnRef idx="0">
+            <a:scrgbClr r="0" g="0" b="0"/>
+          </a:lnRef>
+          <a:fillRef idx="0">
+            <a:scrgbClr r="0" g="0" b="0"/>
+          </a:fillRef>
+          <a:effectRef idx="0">
+            <a:scrgbClr r="0" g="0" b="0"/>
+          </a:effectRef>
           <a:fontRef idx="minor"/>
         </p:style>
         <p:txBody>
-          <a:bodyPr lIns="90000" rIns="90000" tIns="45000" bIns="45000">
+          <a:bodyPr lIns="90000" tIns="45000" rIns="90000" bIns="45000">
             <a:spAutoFit/>
           </a:bodyPr>
+          <a:lstStyle/>
           <a:p>
             <a:pPr>
               <a:lnSpc>
@@ -2260,7 +2509,7 @@
               </a:lnSpc>
             </a:pPr>
             <a:r>
-              <a:rPr b="1" lang="en-US" sz="1800" spc="-1" strike="noStrike">
+              <a:rPr lang="en-US" sz="1800" b="1" strike="noStrike" spc="-1">
                 <a:solidFill>
                   <a:srgbClr val="000000"/>
                 </a:solidFill>
@@ -2268,7 +2517,7 @@
               </a:rPr>
               <a:t>yes</a:t>
             </a:r>
-            <a:endParaRPr b="0" lang="en-GB" sz="1800" spc="-1" strike="noStrike">
+            <a:endParaRPr lang="en-GB" sz="1800" b="0" strike="noStrike" spc="-1">
               <a:latin typeface="Arial"/>
             </a:endParaRPr>
           </a:p>
@@ -2289,6 +2538,7 @@
             <a:avLst/>
             <a:gdLst/>
             <a:ahLst/>
+            <a:cxnLst/>
             <a:rect l="l" t="t" r="r" b="b"/>
             <a:pathLst>
               <a:path w="21600" h="21600">
@@ -2306,7 +2556,7 @@
             <a:solidFill>
               <a:schemeClr val="tx1"/>
             </a:solidFill>
-            <a:tailEnd len="med" type="triangle" w="med"/>
+            <a:tailEnd type="triangle" w="med" len="med"/>
           </a:ln>
         </p:spPr>
         <p:style>
@@ -2360,9 +2610,10 @@
           <a:fontRef idx="minor"/>
         </p:style>
         <p:txBody>
-          <a:bodyPr lIns="90000" rIns="90000" tIns="45000" bIns="45000" anchor="ctr">
+          <a:bodyPr lIns="90000" tIns="45000" rIns="90000" bIns="45000" anchor="ctr">
             <a:noAutofit/>
           </a:bodyPr>
+          <a:lstStyle/>
           <a:p>
             <a:pPr algn="ctr">
               <a:lnSpc>
@@ -2370,7 +2621,7 @@
               </a:lnSpc>
             </a:pPr>
             <a:r>
-              <a:rPr b="1" lang="en-US" sz="1400" spc="-1" strike="noStrike">
+              <a:rPr lang="en-US" sz="1400" b="1" strike="noStrike" spc="-1">
                 <a:solidFill>
                   <a:srgbClr val="000000"/>
                 </a:solidFill>
@@ -2378,7 +2629,7 @@
               </a:rPr>
               <a:t>Clear right?</a:t>
             </a:r>
-            <a:endParaRPr b="0" lang="en-GB" sz="1400" spc="-1" strike="noStrike">
+            <a:endParaRPr lang="en-GB" sz="1400" b="0" strike="noStrike" spc="-1">
               <a:latin typeface="Arial"/>
             </a:endParaRPr>
           </a:p>
@@ -2404,15 +2655,22 @@
           </a:ln>
         </p:spPr>
         <p:style>
-          <a:lnRef idx="0"/>
-          <a:fillRef idx="0"/>
-          <a:effectRef idx="0"/>
+          <a:lnRef idx="0">
+            <a:scrgbClr r="0" g="0" b="0"/>
+          </a:lnRef>
+          <a:fillRef idx="0">
+            <a:scrgbClr r="0" g="0" b="0"/>
+          </a:fillRef>
+          <a:effectRef idx="0">
+            <a:scrgbClr r="0" g="0" b="0"/>
+          </a:effectRef>
           <a:fontRef idx="minor"/>
         </p:style>
         <p:txBody>
-          <a:bodyPr lIns="90000" rIns="90000" tIns="45000" bIns="45000">
+          <a:bodyPr lIns="90000" tIns="45000" rIns="90000" bIns="45000">
             <a:spAutoFit/>
           </a:bodyPr>
+          <a:lstStyle/>
           <a:p>
             <a:pPr>
               <a:lnSpc>
@@ -2420,7 +2678,7 @@
               </a:lnSpc>
             </a:pPr>
             <a:r>
-              <a:rPr b="1" lang="en-US" sz="1800" spc="-1" strike="noStrike">
+              <a:rPr lang="en-US" sz="1800" b="1" strike="noStrike" spc="-1">
                 <a:solidFill>
                   <a:srgbClr val="000000"/>
                 </a:solidFill>
@@ -2428,7 +2686,7 @@
               </a:rPr>
               <a:t>no</a:t>
             </a:r>
-            <a:endParaRPr b="0" lang="en-GB" sz="1800" spc="-1" strike="noStrike">
+            <a:endParaRPr lang="en-GB" sz="1800" b="0" strike="noStrike" spc="-1">
               <a:latin typeface="Arial"/>
             </a:endParaRPr>
           </a:p>
@@ -2449,6 +2707,7 @@
             <a:avLst/>
             <a:gdLst/>
             <a:ahLst/>
+            <a:cxnLst/>
             <a:rect l="l" t="t" r="r" b="b"/>
             <a:pathLst>
               <a:path w="21600" h="21600">
@@ -2466,7 +2725,7 @@
             <a:solidFill>
               <a:schemeClr val="tx1"/>
             </a:solidFill>
-            <a:tailEnd len="med" type="triangle" w="med"/>
+            <a:tailEnd type="triangle" w="med" len="med"/>
           </a:ln>
         </p:spPr>
         <p:style>
@@ -2520,9 +2779,10 @@
           <a:fontRef idx="minor"/>
         </p:style>
         <p:txBody>
-          <a:bodyPr lIns="90000" rIns="90000" tIns="45000" bIns="45000" anchor="ctr">
+          <a:bodyPr lIns="90000" tIns="45000" rIns="90000" bIns="45000" anchor="ctr">
             <a:noAutofit/>
           </a:bodyPr>
+          <a:lstStyle/>
           <a:p>
             <a:pPr algn="ctr">
               <a:lnSpc>
@@ -2530,7 +2790,7 @@
               </a:lnSpc>
             </a:pPr>
             <a:r>
-              <a:rPr b="1" lang="en-US" sz="1400" spc="-1" strike="noStrike">
+              <a:rPr lang="en-US" sz="1400" b="1" strike="noStrike" spc="-1">
                 <a:solidFill>
                   <a:srgbClr val="000000"/>
                 </a:solidFill>
@@ -2538,7 +2798,7 @@
               </a:rPr>
               <a:t>Clear left?</a:t>
             </a:r>
-            <a:endParaRPr b="0" lang="en-GB" sz="1400" spc="-1" strike="noStrike">
+            <a:endParaRPr lang="en-GB" sz="1400" b="0" strike="noStrike" spc="-1">
               <a:latin typeface="Arial"/>
             </a:endParaRPr>
           </a:p>
@@ -2564,15 +2824,22 @@
           </a:ln>
         </p:spPr>
         <p:style>
-          <a:lnRef idx="0"/>
-          <a:fillRef idx="0"/>
-          <a:effectRef idx="0"/>
+          <a:lnRef idx="0">
+            <a:scrgbClr r="0" g="0" b="0"/>
+          </a:lnRef>
+          <a:fillRef idx="0">
+            <a:scrgbClr r="0" g="0" b="0"/>
+          </a:fillRef>
+          <a:effectRef idx="0">
+            <a:scrgbClr r="0" g="0" b="0"/>
+          </a:effectRef>
           <a:fontRef idx="minor"/>
         </p:style>
         <p:txBody>
-          <a:bodyPr lIns="90000" rIns="90000" tIns="45000" bIns="45000">
+          <a:bodyPr lIns="90000" tIns="45000" rIns="90000" bIns="45000">
             <a:spAutoFit/>
           </a:bodyPr>
+          <a:lstStyle/>
           <a:p>
             <a:pPr>
               <a:lnSpc>
@@ -2580,7 +2847,7 @@
               </a:lnSpc>
             </a:pPr>
             <a:r>
-              <a:rPr b="1" lang="en-US" sz="1800" spc="-1" strike="noStrike">
+              <a:rPr lang="en-US" sz="1800" b="1" strike="noStrike" spc="-1">
                 <a:solidFill>
                   <a:srgbClr val="000000"/>
                 </a:solidFill>
@@ -2588,7 +2855,7 @@
               </a:rPr>
               <a:t>no</a:t>
             </a:r>
-            <a:endParaRPr b="0" lang="en-GB" sz="1800" spc="-1" strike="noStrike">
+            <a:endParaRPr lang="en-GB" sz="1800" b="0" strike="noStrike" spc="-1">
               <a:latin typeface="Arial"/>
             </a:endParaRPr>
           </a:p>
@@ -2609,6 +2876,7 @@
             <a:avLst/>
             <a:gdLst/>
             <a:ahLst/>
+            <a:cxnLst/>
             <a:rect l="l" t="t" r="r" b="b"/>
             <a:pathLst>
               <a:path w="21600" h="21600">
@@ -2626,7 +2894,7 @@
             <a:solidFill>
               <a:schemeClr val="tx1"/>
             </a:solidFill>
-            <a:tailEnd len="med" type="triangle" w="med"/>
+            <a:tailEnd type="triangle" w="med" len="med"/>
           </a:ln>
         </p:spPr>
         <p:style>
@@ -2663,7 +2931,7 @@
             <a:solidFill>
               <a:schemeClr val="tx1"/>
             </a:solidFill>
-            <a:tailEnd len="med" type="triangle" w="med"/>
+            <a:tailEnd type="triangle" w="med" len="med"/>
           </a:ln>
         </p:spPr>
         <p:style>
@@ -2719,9 +2987,10 @@
           <a:fontRef idx="minor"/>
         </p:style>
         <p:txBody>
-          <a:bodyPr lIns="90000" rIns="90000" tIns="45000" bIns="45000" anchor="ctr">
+          <a:bodyPr lIns="90000" tIns="45000" rIns="90000" bIns="45000" anchor="ctr">
             <a:noAutofit/>
           </a:bodyPr>
+          <a:lstStyle/>
           <a:p>
             <a:pPr algn="ctr">
               <a:lnSpc>
@@ -2729,7 +2998,7 @@
               </a:lnSpc>
             </a:pPr>
             <a:r>
-              <a:rPr b="1" lang="en-US" sz="1400" spc="-1" strike="noStrike">
+              <a:rPr lang="en-US" sz="1400" b="1" strike="noStrike" spc="-1">
                 <a:solidFill>
                   <a:srgbClr val="000000"/>
                 </a:solidFill>
@@ -2737,7 +3006,7 @@
               </a:rPr>
               <a:t>Update position</a:t>
             </a:r>
-            <a:endParaRPr b="0" lang="en-GB" sz="1400" spc="-1" strike="noStrike">
+            <a:endParaRPr lang="en-GB" sz="1400" b="0" strike="noStrike" spc="-1">
               <a:latin typeface="Arial"/>
             </a:endParaRPr>
           </a:p>
@@ -2783,9 +3052,10 @@
           <a:fontRef idx="minor"/>
         </p:style>
         <p:txBody>
-          <a:bodyPr lIns="90000" rIns="90000" tIns="45000" bIns="45000" anchor="ctr">
+          <a:bodyPr lIns="90000" tIns="45000" rIns="90000" bIns="45000" anchor="ctr">
             <a:noAutofit/>
           </a:bodyPr>
+          <a:lstStyle/>
           <a:p>
             <a:pPr algn="ctr">
               <a:lnSpc>
@@ -2793,7 +3063,7 @@
               </a:lnSpc>
             </a:pPr>
             <a:r>
-              <a:rPr b="1" lang="en-US" sz="1400" spc="-1" strike="noStrike">
+              <a:rPr lang="en-US" sz="1400" b="1" strike="noStrike" spc="-1">
                 <a:solidFill>
                   <a:srgbClr val="000000"/>
                 </a:solidFill>
@@ -2801,7 +3071,7 @@
               </a:rPr>
               <a:t>Advance</a:t>
             </a:r>
-            <a:endParaRPr b="0" lang="en-GB" sz="1400" spc="-1" strike="noStrike">
+            <a:endParaRPr lang="en-GB" sz="1400" b="0" strike="noStrike" spc="-1">
               <a:latin typeface="Arial"/>
             </a:endParaRPr>
           </a:p>
@@ -2822,6 +3092,7 @@
             <a:avLst/>
             <a:gdLst/>
             <a:ahLst/>
+            <a:cxnLst/>
             <a:rect l="l" t="t" r="r" b="b"/>
             <a:pathLst>
               <a:path w="21600" h="21600">
@@ -2839,7 +3110,7 @@
             <a:solidFill>
               <a:schemeClr val="tx1"/>
             </a:solidFill>
-            <a:tailEnd len="med" type="triangle" w="med"/>
+            <a:tailEnd type="triangle" w="med" len="med"/>
           </a:ln>
         </p:spPr>
         <p:style>
@@ -2870,6 +3141,7 @@
             <a:avLst/>
             <a:gdLst/>
             <a:ahLst/>
+            <a:cxnLst/>
             <a:rect l="l" t="t" r="r" b="b"/>
             <a:pathLst>
               <a:path w="21600" h="21600">
@@ -2887,7 +3159,7 @@
             <a:solidFill>
               <a:schemeClr val="tx1"/>
             </a:solidFill>
-            <a:tailEnd len="med" type="triangle" w="med"/>
+            <a:tailEnd type="triangle" w="med" len="med"/>
           </a:ln>
         </p:spPr>
         <p:style>
@@ -2923,15 +3195,22 @@
           </a:ln>
         </p:spPr>
         <p:style>
-          <a:lnRef idx="0"/>
-          <a:fillRef idx="0"/>
-          <a:effectRef idx="0"/>
+          <a:lnRef idx="0">
+            <a:scrgbClr r="0" g="0" b="0"/>
+          </a:lnRef>
+          <a:fillRef idx="0">
+            <a:scrgbClr r="0" g="0" b="0"/>
+          </a:fillRef>
+          <a:effectRef idx="0">
+            <a:scrgbClr r="0" g="0" b="0"/>
+          </a:effectRef>
           <a:fontRef idx="minor"/>
         </p:style>
         <p:txBody>
-          <a:bodyPr lIns="90000" rIns="90000" tIns="45000" bIns="45000">
+          <a:bodyPr lIns="90000" tIns="45000" rIns="90000" bIns="45000">
             <a:spAutoFit/>
           </a:bodyPr>
+          <a:lstStyle/>
           <a:p>
             <a:pPr>
               <a:lnSpc>
@@ -2939,7 +3218,7 @@
               </a:lnSpc>
             </a:pPr>
             <a:r>
-              <a:rPr b="1" lang="en-US" sz="1800" spc="-1" strike="noStrike">
+              <a:rPr lang="en-US" sz="1800" b="1" strike="noStrike" spc="-1">
                 <a:solidFill>
                   <a:srgbClr val="000000"/>
                 </a:solidFill>
@@ -2947,7 +3226,7 @@
               </a:rPr>
               <a:t>yes</a:t>
             </a:r>
-            <a:endParaRPr b="0" lang="en-GB" sz="1800" spc="-1" strike="noStrike">
+            <a:endParaRPr lang="en-GB" sz="1800" b="0" strike="noStrike" spc="-1">
               <a:latin typeface="Arial"/>
             </a:endParaRPr>
           </a:p>
@@ -2993,9 +3272,10 @@
           <a:fontRef idx="minor"/>
         </p:style>
         <p:txBody>
-          <a:bodyPr lIns="90000" rIns="90000" tIns="45000" bIns="45000" anchor="ctr">
+          <a:bodyPr lIns="90000" tIns="45000" rIns="90000" bIns="45000" anchor="ctr">
             <a:noAutofit/>
           </a:bodyPr>
+          <a:lstStyle/>
           <a:p>
             <a:pPr algn="ctr">
               <a:lnSpc>
@@ -3003,7 +3283,7 @@
               </a:lnSpc>
             </a:pPr>
             <a:r>
-              <a:rPr b="1" lang="en-US" sz="1400" spc="-1" strike="noStrike">
+              <a:rPr lang="en-US" sz="1400" b="1" strike="noStrike" spc="-1">
                 <a:solidFill>
                   <a:srgbClr val="000000"/>
                 </a:solidFill>
@@ -3011,7 +3291,7 @@
               </a:rPr>
               <a:t>slide right</a:t>
             </a:r>
-            <a:endParaRPr b="0" lang="en-GB" sz="1400" spc="-1" strike="noStrike">
+            <a:endParaRPr lang="en-GB" sz="1400" b="0" strike="noStrike" spc="-1">
               <a:latin typeface="Arial"/>
             </a:endParaRPr>
           </a:p>
@@ -3032,6 +3312,7 @@
             <a:avLst/>
             <a:gdLst/>
             <a:ahLst/>
+            <a:cxnLst/>
             <a:rect l="l" t="t" r="r" b="b"/>
             <a:pathLst>
               <a:path w="21600" h="21600">
@@ -3049,7 +3330,7 @@
             <a:solidFill>
               <a:schemeClr val="tx1"/>
             </a:solidFill>
-            <a:tailEnd len="med" type="triangle" w="med"/>
+            <a:tailEnd type="triangle" w="med" len="med"/>
           </a:ln>
         </p:spPr>
         <p:style>
@@ -3085,15 +3366,22 @@
           </a:ln>
         </p:spPr>
         <p:style>
-          <a:lnRef idx="0"/>
-          <a:fillRef idx="0"/>
-          <a:effectRef idx="0"/>
+          <a:lnRef idx="0">
+            <a:scrgbClr r="0" g="0" b="0"/>
+          </a:lnRef>
+          <a:fillRef idx="0">
+            <a:scrgbClr r="0" g="0" b="0"/>
+          </a:fillRef>
+          <a:effectRef idx="0">
+            <a:scrgbClr r="0" g="0" b="0"/>
+          </a:effectRef>
           <a:fontRef idx="minor"/>
         </p:style>
         <p:txBody>
-          <a:bodyPr lIns="90000" rIns="90000" tIns="45000" bIns="45000">
+          <a:bodyPr lIns="90000" tIns="45000" rIns="90000" bIns="45000">
             <a:spAutoFit/>
           </a:bodyPr>
+          <a:lstStyle/>
           <a:p>
             <a:pPr>
               <a:lnSpc>
@@ -3101,7 +3389,7 @@
               </a:lnSpc>
             </a:pPr>
             <a:r>
-              <a:rPr b="1" lang="en-US" sz="1800" spc="-1" strike="noStrike">
+              <a:rPr lang="en-US" sz="1800" b="1" strike="noStrike" spc="-1">
                 <a:solidFill>
                   <a:srgbClr val="000000"/>
                 </a:solidFill>
@@ -3109,7 +3397,7 @@
               </a:rPr>
               <a:t>yes</a:t>
             </a:r>
-            <a:endParaRPr b="0" lang="en-GB" sz="1800" spc="-1" strike="noStrike">
+            <a:endParaRPr lang="en-GB" sz="1800" b="0" strike="noStrike" spc="-1">
               <a:latin typeface="Arial"/>
             </a:endParaRPr>
           </a:p>
@@ -3155,9 +3443,10 @@
           <a:fontRef idx="minor"/>
         </p:style>
         <p:txBody>
-          <a:bodyPr lIns="90000" rIns="90000" tIns="45000" bIns="45000" anchor="ctr">
+          <a:bodyPr lIns="90000" tIns="45000" rIns="90000" bIns="45000" anchor="ctr">
             <a:noAutofit/>
           </a:bodyPr>
+          <a:lstStyle/>
           <a:p>
             <a:pPr algn="ctr">
               <a:lnSpc>
@@ -3165,7 +3454,7 @@
               </a:lnSpc>
             </a:pPr>
             <a:r>
-              <a:rPr b="1" lang="en-US" sz="1400" spc="-1" strike="noStrike">
+              <a:rPr lang="en-US" sz="1400" b="1" strike="noStrike" spc="-1">
                 <a:solidFill>
                   <a:srgbClr val="000000"/>
                 </a:solidFill>
@@ -3173,7 +3462,7 @@
               </a:rPr>
               <a:t>slide left</a:t>
             </a:r>
-            <a:endParaRPr b="0" lang="en-GB" sz="1400" spc="-1" strike="noStrike">
+            <a:endParaRPr lang="en-GB" sz="1400" b="0" strike="noStrike" spc="-1">
               <a:latin typeface="Arial"/>
             </a:endParaRPr>
           </a:p>
@@ -3186,7 +3475,7 @@
           <p:nvPr/>
         </p:nvSpPr>
         <p:spPr>
-          <a:xfrm flipH="1" flipV="1" rot="10800000">
+          <a:xfrm rot="10800000" flipH="1" flipV="1">
             <a:off x="2674080" y="4632840"/>
             <a:ext cx="495000" cy="5052240"/>
           </a:xfrm>
@@ -3201,7 +3490,7 @@
             <a:solidFill>
               <a:schemeClr val="tx1"/>
             </a:solidFill>
-            <a:tailEnd len="med" type="triangle" w="med"/>
+            <a:tailEnd type="triangle" w="med" len="med"/>
           </a:ln>
         </p:spPr>
         <p:style>
@@ -3232,6 +3521,7 @@
             <a:avLst/>
             <a:gdLst/>
             <a:ahLst/>
+            <a:cxnLst/>
             <a:rect l="l" t="t" r="r" b="b"/>
             <a:pathLst>
               <a:path w="21600" h="21600">
@@ -3249,7 +3539,7 @@
             <a:solidFill>
               <a:schemeClr val="tx1"/>
             </a:solidFill>
-            <a:tailEnd len="med" type="triangle" w="med"/>
+            <a:tailEnd type="triangle" w="med" len="med"/>
           </a:ln>
         </p:spPr>
         <p:style>
@@ -3305,9 +3595,10 @@
           <a:fontRef idx="minor"/>
         </p:style>
         <p:txBody>
-          <a:bodyPr lIns="90000" rIns="90000" tIns="45000" bIns="45000" anchor="ctr">
+          <a:bodyPr lIns="90000" tIns="45000" rIns="90000" bIns="45000" anchor="ctr">
             <a:noAutofit/>
           </a:bodyPr>
+          <a:lstStyle/>
           <a:p>
             <a:pPr algn="ctr">
               <a:lnSpc>
@@ -3315,7 +3606,7 @@
               </a:lnSpc>
             </a:pPr>
             <a:r>
-              <a:rPr b="1" lang="en-US" sz="1400" spc="-1" strike="noStrike">
+              <a:rPr lang="en-US" sz="1400" b="1" strike="noStrike" spc="-1">
                 <a:solidFill>
                   <a:srgbClr val="000000"/>
                 </a:solidFill>
@@ -3323,7 +3614,7 @@
               </a:rPr>
               <a:t>END</a:t>
             </a:r>
-            <a:endParaRPr b="0" lang="en-GB" sz="1400" spc="-1" strike="noStrike">
+            <a:endParaRPr lang="en-GB" sz="1400" b="0" strike="noStrike" spc="-1">
               <a:latin typeface="Arial"/>
             </a:endParaRPr>
           </a:p>
@@ -3344,6 +3635,7 @@
             <a:avLst/>
             <a:gdLst/>
             <a:ahLst/>
+            <a:cxnLst/>
             <a:rect l="l" t="t" r="r" b="b"/>
             <a:pathLst>
               <a:path w="21600" h="21600">
@@ -3361,7 +3653,7 @@
             <a:solidFill>
               <a:schemeClr val="tx1"/>
             </a:solidFill>
-            <a:tailEnd len="med" type="triangle" w="med"/>
+            <a:tailEnd type="triangle" w="med" len="med"/>
           </a:ln>
         </p:spPr>
         <p:style>
@@ -3417,9 +3709,10 @@
           <a:fontRef idx="minor"/>
         </p:style>
         <p:txBody>
-          <a:bodyPr lIns="90000" rIns="90000" tIns="45000" bIns="45000" anchor="ctr">
+          <a:bodyPr lIns="90000" tIns="45000" rIns="90000" bIns="45000" anchor="ctr">
             <a:noAutofit/>
           </a:bodyPr>
+          <a:lstStyle/>
           <a:p>
             <a:pPr algn="ctr">
               <a:lnSpc>
@@ -3427,7 +3720,7 @@
               </a:lnSpc>
             </a:pPr>
             <a:r>
-              <a:rPr b="1" lang="en-US" sz="1400" spc="-1" strike="noStrike">
+              <a:rPr lang="en-US" sz="1400" b="1" strike="noStrike" spc="-1">
                 <a:solidFill>
                   <a:srgbClr val="000000"/>
                 </a:solidFill>
@@ -3435,7 +3728,7 @@
               </a:rPr>
               <a:t>START</a:t>
             </a:r>
-            <a:endParaRPr b="0" lang="en-GB" sz="1400" spc="-1" strike="noStrike">
+            <a:endParaRPr lang="en-GB" sz="1400" b="0" strike="noStrike" spc="-1">
               <a:latin typeface="Arial"/>
             </a:endParaRPr>
           </a:p>
@@ -3456,6 +3749,7 @@
             <a:avLst/>
             <a:gdLst/>
             <a:ahLst/>
+            <a:cxnLst/>
             <a:rect l="l" t="t" r="r" b="b"/>
             <a:pathLst>
               <a:path w="21600" h="21600">
@@ -3473,7 +3767,7 @@
             <a:solidFill>
               <a:schemeClr val="tx1"/>
             </a:solidFill>
-            <a:tailEnd len="med" type="triangle" w="med"/>
+            <a:tailEnd type="triangle" w="med" len="med"/>
           </a:ln>
         </p:spPr>
         <p:style>
@@ -3496,7 +3790,7 @@
           <p:nvPr/>
         </p:nvSpPr>
         <p:spPr>
-          <a:xfrm flipV="1" rot="10800000">
+          <a:xfrm rot="10800000" flipV="1">
             <a:off x="1864800" y="2838600"/>
             <a:ext cx="2402280" cy="1786320"/>
           </a:xfrm>
@@ -3510,7 +3804,7 @@
             <a:solidFill>
               <a:schemeClr val="tx1"/>
             </a:solidFill>
-            <a:tailEnd len="med" type="triangle" w="med"/>
+            <a:tailEnd type="triangle" w="med" len="med"/>
           </a:ln>
         </p:spPr>
         <p:style>
@@ -3528,19 +3822,14 @@
       </p:sp>
     </p:spTree>
   </p:cSld>
-  <mc:AlternateContent>
-    <mc:Choice Requires="p14">
-      <p:transition spd="slow" p14:dur="2000"/>
-    </mc:Choice>
-    <mc:Fallback>
-      <p:transition spd="slow"/>
-    </mc:Fallback>
-  </mc:AlternateContent>
+  <p:clrMapOvr>
+    <a:masterClrMapping/>
+  </p:clrMapOvr>
 </p:sld>
 </file>
 
 <file path=ppt/slides/slide2.xml><?xml version="1.0" encoding="utf-8"?>
-<p:sld xmlns:a="http://schemas.openxmlformats.org/drawingml/2006/main" xmlns:p="http://schemas.openxmlformats.org/presentationml/2006/main" xmlns:r="http://schemas.openxmlformats.org/officeDocument/2006/relationships" xmlns:p14="http://schemas.microsoft.com/office/powerpoint/2010/main" xmlns:p15="http://schemas.microsoft.com/office/powerpoint/2012/main" xmlns:mc="http://schemas.openxmlformats.org/markup-compatibility/2006">
+<p:sld xmlns:a="http://schemas.openxmlformats.org/drawingml/2006/main" xmlns:r="http://schemas.openxmlformats.org/officeDocument/2006/relationships" xmlns:p="http://schemas.openxmlformats.org/presentationml/2006/main">
   <p:cSld>
     <p:spTree>
       <p:nvGrpSpPr>
@@ -3596,9 +3885,10 @@
           <a:fontRef idx="minor"/>
         </p:style>
         <p:txBody>
-          <a:bodyPr lIns="90000" rIns="90000" tIns="45000" bIns="45000" anchor="ctr">
+          <a:bodyPr lIns="90000" tIns="45000" rIns="90000" bIns="45000" anchor="ctr">
             <a:noAutofit/>
           </a:bodyPr>
+          <a:lstStyle/>
           <a:p>
             <a:pPr algn="ctr">
               <a:lnSpc>
@@ -3606,7 +3896,7 @@
               </a:lnSpc>
             </a:pPr>
             <a:r>
-              <a:rPr b="1" lang="en-US" sz="1400" spc="-1" strike="noStrike">
+              <a:rPr lang="en-US" sz="1400" b="1" strike="noStrike" spc="-1">
                 <a:solidFill>
                   <a:srgbClr val="000000"/>
                 </a:solidFill>
@@ -3614,7 +3904,7 @@
               </a:rPr>
               <a:t>Move toward distention</a:t>
             </a:r>
-            <a:endParaRPr b="0" lang="en-GB" sz="1400" spc="-1" strike="noStrike">
+            <a:endParaRPr lang="en-GB" sz="1400" b="0" strike="noStrike" spc="-1">
               <a:latin typeface="Arial"/>
             </a:endParaRPr>
           </a:p>
@@ -3658,9 +3948,10 @@
           <a:fontRef idx="minor"/>
         </p:style>
         <p:txBody>
-          <a:bodyPr lIns="90000" rIns="90000" tIns="45000" bIns="45000" anchor="ctr">
+          <a:bodyPr lIns="90000" tIns="45000" rIns="90000" bIns="45000" anchor="ctr">
             <a:noAutofit/>
           </a:bodyPr>
+          <a:lstStyle/>
           <a:p>
             <a:pPr algn="ctr">
               <a:lnSpc>
@@ -3668,7 +3959,7 @@
               </a:lnSpc>
             </a:pPr>
             <a:r>
-              <a:rPr b="1" lang="en-US" sz="1400" spc="-1" strike="noStrike">
+              <a:rPr lang="en-US" sz="1400" b="1" strike="noStrike" spc="-1">
                 <a:solidFill>
                   <a:srgbClr val="000000"/>
                 </a:solidFill>
@@ -3676,7 +3967,7 @@
               </a:rPr>
               <a:t>Robot arrived?</a:t>
             </a:r>
-            <a:endParaRPr b="0" lang="en-GB" sz="1400" spc="-1" strike="noStrike">
+            <a:endParaRPr lang="en-GB" sz="1400" b="0" strike="noStrike" spc="-1">
               <a:latin typeface="Arial"/>
             </a:endParaRPr>
           </a:p>
@@ -3722,9 +4013,10 @@
           <a:fontRef idx="minor"/>
         </p:style>
         <p:txBody>
-          <a:bodyPr lIns="90000" rIns="90000" tIns="45000" bIns="45000" anchor="ctr">
+          <a:bodyPr lIns="90000" tIns="45000" rIns="90000" bIns="45000" anchor="ctr">
             <a:noAutofit/>
           </a:bodyPr>
+          <a:lstStyle/>
           <a:p>
             <a:pPr algn="ctr">
               <a:lnSpc>
@@ -3732,7 +4024,7 @@
               </a:lnSpc>
             </a:pPr>
             <a:r>
-              <a:rPr b="1" lang="en-US" sz="1400" spc="-1" strike="noStrike">
+              <a:rPr lang="en-US" sz="1400" b="1" strike="noStrike" spc="-1">
                 <a:solidFill>
                   <a:srgbClr val="000000"/>
                 </a:solidFill>
@@ -3740,7 +4032,7 @@
               </a:rPr>
               <a:t>determine the robot position</a:t>
             </a:r>
-            <a:endParaRPr b="0" lang="en-GB" sz="1400" spc="-1" strike="noStrike">
+            <a:endParaRPr lang="en-GB" sz="1400" b="0" strike="noStrike" spc="-1">
               <a:latin typeface="Arial"/>
             </a:endParaRPr>
           </a:p>
@@ -3786,9 +4078,10 @@
           <a:fontRef idx="minor"/>
         </p:style>
         <p:txBody>
-          <a:bodyPr lIns="90000" rIns="90000" tIns="45000" bIns="45000" anchor="ctr">
+          <a:bodyPr lIns="90000" tIns="45000" rIns="90000" bIns="45000" anchor="ctr">
             <a:noAutofit/>
           </a:bodyPr>
+          <a:lstStyle/>
           <a:p>
             <a:pPr algn="ctr">
               <a:lnSpc>
@@ -3796,7 +4089,7 @@
               </a:lnSpc>
             </a:pPr>
             <a:r>
-              <a:rPr b="1" lang="en-US" sz="1400" spc="-1" strike="noStrike">
+              <a:rPr lang="en-US" sz="1400" b="1" strike="noStrike" spc="-1">
                 <a:solidFill>
                   <a:srgbClr val="000000"/>
                 </a:solidFill>
@@ -3804,7 +4097,7 @@
               </a:rPr>
               <a:t>END</a:t>
             </a:r>
-            <a:endParaRPr b="0" lang="en-GB" sz="1400" spc="-1" strike="noStrike">
+            <a:endParaRPr lang="en-GB" sz="1400" b="0" strike="noStrike" spc="-1">
               <a:latin typeface="Arial"/>
             </a:endParaRPr>
           </a:p>
@@ -3825,6 +4118,7 @@
             <a:avLst/>
             <a:gdLst/>
             <a:ahLst/>
+            <a:cxnLst/>
             <a:rect l="l" t="t" r="r" b="b"/>
             <a:pathLst>
               <a:path w="21600" h="21600">
@@ -3842,7 +4136,7 @@
             <a:solidFill>
               <a:schemeClr val="tx1"/>
             </a:solidFill>
-            <a:tailEnd len="med" type="triangle" w="med"/>
+            <a:tailEnd type="triangle" w="med" len="med"/>
           </a:ln>
         </p:spPr>
         <p:style>
@@ -3898,9 +4192,10 @@
           <a:fontRef idx="minor"/>
         </p:style>
         <p:txBody>
-          <a:bodyPr lIns="90000" rIns="90000" tIns="45000" bIns="45000" anchor="ctr">
+          <a:bodyPr lIns="90000" tIns="45000" rIns="90000" bIns="45000" anchor="ctr">
             <a:noAutofit/>
           </a:bodyPr>
+          <a:lstStyle/>
           <a:p>
             <a:pPr algn="ctr">
               <a:lnSpc>
@@ -3908,15 +4203,15 @@
               </a:lnSpc>
             </a:pPr>
             <a:r>
-              <a:rPr b="1" lang="en-US" sz="1400" spc="-1" strike="noStrike">
+              <a:rPr lang="en-US" sz="1400" b="1" strike="noStrike" spc="-1" dirty="0">
                 <a:solidFill>
                   <a:srgbClr val="000000"/>
                 </a:solidFill>
                 <a:latin typeface="Calibri"/>
               </a:rPr>
-              <a:t>Select a distention</a:t>
+              <a:t>Select a destination</a:t>
             </a:r>
-            <a:endParaRPr b="0" lang="en-GB" sz="1400" spc="-1" strike="noStrike">
+            <a:endParaRPr lang="en-GB" sz="1400" b="0" strike="noStrike" spc="-1" dirty="0">
               <a:latin typeface="Arial"/>
             </a:endParaRPr>
           </a:p>
@@ -3937,6 +4232,7 @@
             <a:avLst/>
             <a:gdLst/>
             <a:ahLst/>
+            <a:cxnLst/>
             <a:rect l="l" t="t" r="r" b="b"/>
             <a:pathLst>
               <a:path w="21600" h="21600">
@@ -3954,7 +4250,7 @@
             <a:solidFill>
               <a:schemeClr val="tx1"/>
             </a:solidFill>
-            <a:tailEnd len="med" type="triangle" w="med"/>
+            <a:tailEnd type="triangle" w="med" len="med"/>
           </a:ln>
         </p:spPr>
         <p:style>
@@ -4010,9 +4306,10 @@
           <a:fontRef idx="minor"/>
         </p:style>
         <p:txBody>
-          <a:bodyPr lIns="90000" rIns="90000" tIns="45000" bIns="45000" anchor="ctr">
+          <a:bodyPr lIns="90000" tIns="45000" rIns="90000" bIns="45000" anchor="ctr">
             <a:noAutofit/>
           </a:bodyPr>
+          <a:lstStyle/>
           <a:p>
             <a:pPr algn="ctr">
               <a:lnSpc>
@@ -4020,7 +4317,7 @@
               </a:lnSpc>
             </a:pPr>
             <a:r>
-              <a:rPr b="1" lang="en-US" sz="1400" spc="-1" strike="noStrike">
+              <a:rPr lang="en-US" sz="1400" b="1" strike="noStrike" spc="-1">
                 <a:solidFill>
                   <a:srgbClr val="000000"/>
                 </a:solidFill>
@@ -4028,7 +4325,7 @@
               </a:rPr>
               <a:t>Find path between robot to destination</a:t>
             </a:r>
-            <a:endParaRPr b="0" lang="en-GB" sz="1400" spc="-1" strike="noStrike">
+            <a:endParaRPr lang="en-GB" sz="1400" b="0" strike="noStrike" spc="-1">
               <a:latin typeface="Arial"/>
             </a:endParaRPr>
           </a:p>
@@ -4049,6 +4346,7 @@
             <a:avLst/>
             <a:gdLst/>
             <a:ahLst/>
+            <a:cxnLst/>
             <a:rect l="l" t="t" r="r" b="b"/>
             <a:pathLst>
               <a:path w="21600" h="21600">
@@ -4066,7 +4364,7 @@
             <a:solidFill>
               <a:schemeClr val="tx1"/>
             </a:solidFill>
-            <a:tailEnd len="med" type="triangle" w="med"/>
+            <a:tailEnd type="triangle" w="med" len="med"/>
           </a:ln>
         </p:spPr>
         <p:style>
@@ -4102,15 +4400,22 @@
           </a:ln>
         </p:spPr>
         <p:style>
-          <a:lnRef idx="0"/>
-          <a:fillRef idx="0"/>
-          <a:effectRef idx="0"/>
+          <a:lnRef idx="0">
+            <a:scrgbClr r="0" g="0" b="0"/>
+          </a:lnRef>
+          <a:fillRef idx="0">
+            <a:scrgbClr r="0" g="0" b="0"/>
+          </a:fillRef>
+          <a:effectRef idx="0">
+            <a:scrgbClr r="0" g="0" b="0"/>
+          </a:effectRef>
           <a:fontRef idx="minor"/>
         </p:style>
         <p:txBody>
-          <a:bodyPr lIns="90000" rIns="90000" tIns="45000" bIns="45000">
+          <a:bodyPr lIns="90000" tIns="45000" rIns="90000" bIns="45000">
             <a:spAutoFit/>
           </a:bodyPr>
+          <a:lstStyle/>
           <a:p>
             <a:pPr>
               <a:lnSpc>
@@ -4118,7 +4423,7 @@
               </a:lnSpc>
             </a:pPr>
             <a:r>
-              <a:rPr b="1" lang="en-US" sz="1800" spc="-1" strike="noStrike">
+              <a:rPr lang="en-US" sz="1800" b="1" strike="noStrike" spc="-1">
                 <a:solidFill>
                   <a:srgbClr val="000000"/>
                 </a:solidFill>
@@ -4126,7 +4431,7 @@
               </a:rPr>
               <a:t>yes</a:t>
             </a:r>
-            <a:endParaRPr b="0" lang="en-GB" sz="1800" spc="-1" strike="noStrike">
+            <a:endParaRPr lang="en-GB" sz="1800" b="0" strike="noStrike" spc="-1">
               <a:latin typeface="Arial"/>
             </a:endParaRPr>
           </a:p>
@@ -4147,6 +4452,7 @@
             <a:avLst/>
             <a:gdLst/>
             <a:ahLst/>
+            <a:cxnLst/>
             <a:rect l="l" t="t" r="r" b="b"/>
             <a:pathLst>
               <a:path w="21600" h="21600">
@@ -4164,7 +4470,7 @@
             <a:solidFill>
               <a:schemeClr val="tx1"/>
             </a:solidFill>
-            <a:tailEnd len="med" type="triangle" w="med"/>
+            <a:tailEnd type="triangle" w="med" len="med"/>
           </a:ln>
         </p:spPr>
         <p:style>
@@ -4195,6 +4501,7 @@
             <a:avLst/>
             <a:gdLst/>
             <a:ahLst/>
+            <a:cxnLst/>
             <a:rect l="l" t="t" r="r" b="b"/>
             <a:pathLst>
               <a:path w="21600" h="21600">
@@ -4212,7 +4519,7 @@
             <a:solidFill>
               <a:schemeClr val="tx1"/>
             </a:solidFill>
-            <a:tailEnd len="med" type="triangle" w="med"/>
+            <a:tailEnd type="triangle" w="med" len="med"/>
           </a:ln>
         </p:spPr>
         <p:style>
@@ -4248,15 +4555,22 @@
           </a:ln>
         </p:spPr>
         <p:style>
-          <a:lnRef idx="0"/>
-          <a:fillRef idx="0"/>
-          <a:effectRef idx="0"/>
+          <a:lnRef idx="0">
+            <a:scrgbClr r="0" g="0" b="0"/>
+          </a:lnRef>
+          <a:fillRef idx="0">
+            <a:scrgbClr r="0" g="0" b="0"/>
+          </a:fillRef>
+          <a:effectRef idx="0">
+            <a:scrgbClr r="0" g="0" b="0"/>
+          </a:effectRef>
           <a:fontRef idx="minor"/>
         </p:style>
         <p:txBody>
-          <a:bodyPr lIns="90000" rIns="90000" tIns="45000" bIns="45000">
+          <a:bodyPr lIns="90000" tIns="45000" rIns="90000" bIns="45000">
             <a:spAutoFit/>
           </a:bodyPr>
+          <a:lstStyle/>
           <a:p>
             <a:pPr>
               <a:lnSpc>
@@ -4264,7 +4578,7 @@
               </a:lnSpc>
             </a:pPr>
             <a:r>
-              <a:rPr b="1" lang="en-US" sz="1800" spc="-1" strike="noStrike">
+              <a:rPr lang="en-US" sz="1800" b="1" strike="noStrike" spc="-1">
                 <a:solidFill>
                   <a:srgbClr val="000000"/>
                 </a:solidFill>
@@ -4272,7 +4586,7 @@
               </a:rPr>
               <a:t>No</a:t>
             </a:r>
-            <a:endParaRPr b="0" lang="en-GB" sz="1800" spc="-1" strike="noStrike">
+            <a:endParaRPr lang="en-GB" sz="1800" b="0" strike="noStrike" spc="-1">
               <a:latin typeface="Arial"/>
             </a:endParaRPr>
           </a:p>
@@ -4318,9 +4632,10 @@
           <a:fontRef idx="minor"/>
         </p:style>
         <p:txBody>
-          <a:bodyPr lIns="90000" rIns="90000" tIns="45000" bIns="45000" anchor="ctr">
+          <a:bodyPr lIns="90000" tIns="45000" rIns="90000" bIns="45000" anchor="ctr">
             <a:noAutofit/>
           </a:bodyPr>
+          <a:lstStyle/>
           <a:p>
             <a:pPr algn="ctr">
               <a:lnSpc>
@@ -4328,7 +4643,7 @@
               </a:lnSpc>
             </a:pPr>
             <a:r>
-              <a:rPr b="1" lang="en-US" sz="1400" spc="-1" strike="noStrike">
+              <a:rPr lang="en-US" sz="1400" b="1" strike="noStrike" spc="-1">
                 <a:solidFill>
                   <a:srgbClr val="000000"/>
                 </a:solidFill>
@@ -4336,7 +4651,7 @@
               </a:rPr>
               <a:t>Obstacle avoidance (*)</a:t>
             </a:r>
-            <a:endParaRPr b="0" lang="en-GB" sz="1400" spc="-1" strike="noStrike">
+            <a:endParaRPr lang="en-GB" sz="1400" b="0" strike="noStrike" spc="-1">
               <a:latin typeface="Arial"/>
             </a:endParaRPr>
           </a:p>
@@ -4357,6 +4672,7 @@
             <a:avLst/>
             <a:gdLst/>
             <a:ahLst/>
+            <a:cxnLst/>
             <a:rect l="l" t="t" r="r" b="b"/>
             <a:pathLst>
               <a:path w="21600" h="21600">
@@ -4374,7 +4690,7 @@
             <a:solidFill>
               <a:schemeClr val="tx1"/>
             </a:solidFill>
-            <a:tailEnd len="med" type="triangle" w="med"/>
+            <a:tailEnd type="triangle" w="med" len="med"/>
           </a:ln>
         </p:spPr>
         <p:style>
@@ -4405,6 +4721,7 @@
             <a:avLst/>
             <a:gdLst/>
             <a:ahLst/>
+            <a:cxnLst/>
             <a:rect l="l" t="t" r="r" b="b"/>
             <a:pathLst>
               <a:path w="21600" h="21600">
@@ -4422,7 +4739,7 @@
             <a:solidFill>
               <a:schemeClr val="tx1"/>
             </a:solidFill>
-            <a:tailEnd len="med" type="triangle" w="med"/>
+            <a:tailEnd type="triangle" w="med" len="med"/>
           </a:ln>
         </p:spPr>
         <p:style>
@@ -4478,9 +4795,10 @@
           <a:fontRef idx="minor"/>
         </p:style>
         <p:txBody>
-          <a:bodyPr lIns="90000" rIns="90000" tIns="45000" bIns="45000" anchor="ctr">
+          <a:bodyPr lIns="90000" tIns="45000" rIns="90000" bIns="45000" anchor="ctr">
             <a:noAutofit/>
           </a:bodyPr>
+          <a:lstStyle/>
           <a:p>
             <a:pPr algn="ctr">
               <a:lnSpc>
@@ -4488,7 +4806,7 @@
               </a:lnSpc>
             </a:pPr>
             <a:r>
-              <a:rPr b="1" lang="en-US" sz="1400" spc="-1" strike="noStrike">
+              <a:rPr lang="en-US" sz="1400" b="1" strike="noStrike" spc="-1">
                 <a:solidFill>
                   <a:srgbClr val="000000"/>
                 </a:solidFill>
@@ -4496,7 +4814,7 @@
               </a:rPr>
               <a:t>Get updated position data</a:t>
             </a:r>
-            <a:endParaRPr b="0" lang="en-GB" sz="1400" spc="-1" strike="noStrike">
+            <a:endParaRPr lang="en-GB" sz="1400" b="0" strike="noStrike" spc="-1">
               <a:latin typeface="Arial"/>
             </a:endParaRPr>
           </a:p>
@@ -4509,7 +4827,7 @@
           <p:nvPr/>
         </p:nvSpPr>
         <p:spPr>
-          <a:xfrm flipH="1" rot="5400000">
+          <a:xfrm rot="5400000" flipH="1">
             <a:off x="954360" y="7327440"/>
             <a:ext cx="4994280" cy="45360"/>
           </a:xfrm>
@@ -4525,7 +4843,7 @@
             <a:solidFill>
               <a:schemeClr val="tx1"/>
             </a:solidFill>
-            <a:tailEnd len="med" type="triangle" w="med"/>
+            <a:tailEnd type="triangle" w="med" len="med"/>
           </a:ln>
         </p:spPr>
         <p:style>
@@ -4581,9 +4899,10 @@
           <a:fontRef idx="minor"/>
         </p:style>
         <p:txBody>
-          <a:bodyPr lIns="90000" rIns="90000" tIns="45000" bIns="45000" anchor="ctr">
+          <a:bodyPr lIns="90000" tIns="45000" rIns="90000" bIns="45000" anchor="ctr">
             <a:noAutofit/>
           </a:bodyPr>
+          <a:lstStyle/>
           <a:p>
             <a:pPr algn="ctr">
               <a:lnSpc>
@@ -4591,7 +4910,7 @@
               </a:lnSpc>
             </a:pPr>
             <a:r>
-              <a:rPr b="1" lang="en-US" sz="1400" spc="-1" strike="noStrike">
+              <a:rPr lang="en-US" sz="1400" b="1" strike="noStrike" spc="-1">
                 <a:solidFill>
                   <a:srgbClr val="000000"/>
                 </a:solidFill>
@@ -4599,7 +4918,7 @@
               </a:rPr>
               <a:t>START</a:t>
             </a:r>
-            <a:endParaRPr b="0" lang="en-GB" sz="1400" spc="-1" strike="noStrike">
+            <a:endParaRPr lang="en-GB" sz="1400" b="0" strike="noStrike" spc="-1">
               <a:latin typeface="Arial"/>
             </a:endParaRPr>
           </a:p>
@@ -4620,6 +4939,7 @@
             <a:avLst/>
             <a:gdLst/>
             <a:ahLst/>
+            <a:cxnLst/>
             <a:rect l="l" t="t" r="r" b="b"/>
             <a:pathLst>
               <a:path w="21600" h="21600">
@@ -4637,7 +4957,7 @@
             <a:solidFill>
               <a:schemeClr val="tx1"/>
             </a:solidFill>
-            <a:tailEnd len="med" type="triangle" w="med"/>
+            <a:tailEnd type="triangle" w="med" len="med"/>
           </a:ln>
         </p:spPr>
         <p:style>
@@ -4655,14 +4975,9 @@
       </p:sp>
     </p:spTree>
   </p:cSld>
-  <mc:AlternateContent>
-    <mc:Choice Requires="p14">
-      <p:transition spd="slow" p14:dur="2000"/>
-    </mc:Choice>
-    <mc:Fallback>
-      <p:transition spd="slow"/>
-    </mc:Fallback>
-  </mc:AlternateContent>
+  <p:clrMapOvr>
+    <a:masterClrMapping/>
+  </p:clrMapOvr>
 </p:sld>
 </file>
 
@@ -4677,34 +4992,34 @@
         <a:sysClr val="window" lastClr="FFFFFF"/>
       </a:lt1>
       <a:dk2>
-        <a:srgbClr val="44546a"/>
+        <a:srgbClr val="44546A"/>
       </a:dk2>
       <a:lt2>
-        <a:srgbClr val="e7e6e6"/>
+        <a:srgbClr val="E7E6E6"/>
       </a:lt2>
       <a:accent1>
-        <a:srgbClr val="4472c4"/>
+        <a:srgbClr val="4472C4"/>
       </a:accent1>
       <a:accent2>
-        <a:srgbClr val="ed7d31"/>
+        <a:srgbClr val="ED7D31"/>
       </a:accent2>
       <a:accent3>
-        <a:srgbClr val="a5a5a5"/>
+        <a:srgbClr val="A5A5A5"/>
       </a:accent3>
       <a:accent4>
-        <a:srgbClr val="ffc000"/>
+        <a:srgbClr val="FFC000"/>
       </a:accent4>
       <a:accent5>
-        <a:srgbClr val="5b9bd5"/>
+        <a:srgbClr val="5B9BD5"/>
       </a:accent5>
       <a:accent6>
-        <a:srgbClr val="70ad47"/>
+        <a:srgbClr val="70AD47"/>
       </a:accent6>
       <a:hlink>
-        <a:srgbClr val="0563c1"/>
+        <a:srgbClr val="0563C1"/>
       </a:hlink>
       <a:folHlink>
-        <a:srgbClr val="954f72"/>
+        <a:srgbClr val="954F72"/>
       </a:folHlink>
     </a:clrScheme>
     <a:fontScheme name="Office">
@@ -4889,5 +5204,7 @@
       </a:bgFillStyleLst>
     </a:fmtScheme>
   </a:themeElements>
+  <a:objectDefaults/>
+  <a:extraClrSchemeLst/>
 </a:theme>
 </file>